--- a/assets/DynamicImaging/Models.pptx
+++ b/assets/DynamicImaging/Models.pptx
@@ -8,6 +8,7 @@
     <p:sldId id="257" r:id="rId2"/>
     <p:sldId id="258" r:id="rId3"/>
     <p:sldId id="259" r:id="rId4"/>
+    <p:sldId id="260" r:id="rId5"/>
   </p:sldIdLst>
   <p:sldSz cx="12192000" cy="6858000"/>
   <p:notesSz cx="6858000" cy="9144000"/>
@@ -424,7 +425,7 @@
           <a:p>
             <a:fld id="{E29482EF-F601-43AD-982D-3B4FE6AF9823}" type="datetimeFigureOut">
               <a:rPr lang="en-US" smtClean="0"/>
-              <a:t>8/26/2021</a:t>
+              <a:t>8/27/2021</a:t>
             </a:fld>
             <a:endParaRPr lang="en-US"/>
           </a:p>
@@ -582,7 +583,7 @@
           <a:p>
             <a:fld id="{E29482EF-F601-43AD-982D-3B4FE6AF9823}" type="datetimeFigureOut">
               <a:rPr lang="en-US" smtClean="0"/>
-              <a:t>8/26/2021</a:t>
+              <a:t>8/27/2021</a:t>
             </a:fld>
             <a:endParaRPr lang="en-US"/>
           </a:p>
@@ -1002,7 +1003,7 @@
           <a:p>
             <a:fld id="{E29482EF-F601-43AD-982D-3B4FE6AF9823}" type="datetimeFigureOut">
               <a:rPr lang="en-US" smtClean="0"/>
-              <a:t>8/26/2021</a:t>
+              <a:t>8/27/2021</a:t>
             </a:fld>
             <a:endParaRPr lang="en-US"/>
           </a:p>
@@ -1354,7 +1355,7 @@
           <a:p>
             <a:fld id="{E29482EF-F601-43AD-982D-3B4FE6AF9823}" type="datetimeFigureOut">
               <a:rPr lang="en-US" smtClean="0"/>
-              <a:t>8/26/2021</a:t>
+              <a:t>8/27/2021</a:t>
             </a:fld>
             <a:endParaRPr lang="en-US"/>
           </a:p>
@@ -1730,7 +1731,7 @@
           <a:p>
             <a:fld id="{E29482EF-F601-43AD-982D-3B4FE6AF9823}" type="datetimeFigureOut">
               <a:rPr lang="en-US" smtClean="0"/>
-              <a:t>8/26/2021</a:t>
+              <a:t>8/27/2021</a:t>
             </a:fld>
             <a:endParaRPr lang="en-US"/>
           </a:p>
@@ -1864,7 +1865,7 @@
           <a:p>
             <a:fld id="{E29482EF-F601-43AD-982D-3B4FE6AF9823}" type="datetimeFigureOut">
               <a:rPr lang="en-US" smtClean="0"/>
-              <a:t>8/26/2021</a:t>
+              <a:t>8/27/2021</a:t>
             </a:fld>
             <a:endParaRPr lang="en-US"/>
           </a:p>
@@ -1998,7 +1999,7 @@
           <a:p>
             <a:fld id="{E29482EF-F601-43AD-982D-3B4FE6AF9823}" type="datetimeFigureOut">
               <a:rPr lang="en-US" smtClean="0"/>
-              <a:t>8/26/2021</a:t>
+              <a:t>8/27/2021</a:t>
             </a:fld>
             <a:endParaRPr lang="en-US"/>
           </a:p>
@@ -2209,7 +2210,7 @@
           <a:p>
             <a:fld id="{E29482EF-F601-43AD-982D-3B4FE6AF9823}" type="datetimeFigureOut">
               <a:rPr lang="en-US" smtClean="0"/>
-              <a:t>8/26/2021</a:t>
+              <a:t>8/27/2021</a:t>
             </a:fld>
             <a:endParaRPr lang="en-US"/>
           </a:p>
@@ -2866,7 +2867,7 @@
           <a:graphicData uri="http://schemas.openxmlformats.org/presentationml/2006/ole">
             <mc:AlternateContent xmlns:mc="http://schemas.openxmlformats.org/markup-compatibility/2006">
               <mc:Choice xmlns:v="urn:schemas-microsoft-com:vml" Requires="v">
-                <p:oleObj spid="_x0000_s1046" name="Equation" r:id="rId3" imgW="203040" imgH="228600" progId="Equation.DSMT4">
+                <p:oleObj spid="_x0000_s1054" name="Equation" r:id="rId3" imgW="203040" imgH="228600" progId="Equation.DSMT4">
                   <p:embed/>
                 </p:oleObj>
               </mc:Choice>
@@ -2983,7 +2984,7 @@
           <a:graphicData uri="http://schemas.openxmlformats.org/presentationml/2006/ole">
             <mc:AlternateContent xmlns:mc="http://schemas.openxmlformats.org/markup-compatibility/2006">
               <mc:Choice xmlns:v="urn:schemas-microsoft-com:vml" Requires="v">
-                <p:oleObj spid="_x0000_s1047" name="Equation" r:id="rId5" imgW="203040" imgH="228600" progId="Equation.DSMT4">
+                <p:oleObj spid="_x0000_s1055" name="Equation" r:id="rId5" imgW="203040" imgH="228600" progId="Equation.DSMT4">
                   <p:embed/>
                 </p:oleObj>
               </mc:Choice>
@@ -3135,7 +3136,7 @@
           <a:graphicData uri="http://schemas.openxmlformats.org/presentationml/2006/ole">
             <mc:AlternateContent xmlns:mc="http://schemas.openxmlformats.org/markup-compatibility/2006">
               <mc:Choice xmlns:v="urn:schemas-microsoft-com:vml" Requires="v">
-                <p:oleObj spid="_x0000_s1048" name="Equation" r:id="rId7" imgW="190440" imgH="228600" progId="Equation.DSMT4">
+                <p:oleObj spid="_x0000_s1056" name="Equation" r:id="rId7" imgW="190440" imgH="228600" progId="Equation.DSMT4">
                   <p:embed/>
                 </p:oleObj>
               </mc:Choice>
@@ -3204,7 +3205,7 @@
           <a:graphicData uri="http://schemas.openxmlformats.org/presentationml/2006/ole">
             <mc:AlternateContent xmlns:mc="http://schemas.openxmlformats.org/markup-compatibility/2006">
               <mc:Choice xmlns:v="urn:schemas-microsoft-com:vml" Requires="v">
-                <p:oleObj spid="_x0000_s1049" name="Equation" r:id="rId9" imgW="164880" imgH="228600" progId="Equation.DSMT4">
+                <p:oleObj spid="_x0000_s1057" name="Equation" r:id="rId9" imgW="164880" imgH="228600" progId="Equation.DSMT4">
                   <p:embed/>
                 </p:oleObj>
               </mc:Choice>
@@ -3419,7 +3420,7 @@
           <a:graphicData uri="http://schemas.openxmlformats.org/presentationml/2006/ole">
             <mc:AlternateContent xmlns:mc="http://schemas.openxmlformats.org/markup-compatibility/2006">
               <mc:Choice xmlns:v="urn:schemas-microsoft-com:vml" Requires="v">
-                <p:oleObj spid="_x0000_s2078" name="Equation" r:id="rId3" imgW="203040" imgH="228600" progId="Equation.DSMT4">
+                <p:oleObj spid="_x0000_s2092" name="Equation" r:id="rId3" imgW="203040" imgH="228600" progId="Equation.DSMT4">
                   <p:embed/>
                 </p:oleObj>
               </mc:Choice>
@@ -3542,7 +3543,7 @@
           <a:graphicData uri="http://schemas.openxmlformats.org/presentationml/2006/ole">
             <mc:AlternateContent xmlns:mc="http://schemas.openxmlformats.org/markup-compatibility/2006">
               <mc:Choice xmlns:v="urn:schemas-microsoft-com:vml" Requires="v">
-                <p:oleObj spid="_x0000_s2079" name="Equation" r:id="rId5" imgW="279360" imgH="228600" progId="Equation.DSMT4">
+                <p:oleObj spid="_x0000_s2093" name="Equation" r:id="rId5" imgW="279360" imgH="228600" progId="Equation.DSMT4">
                   <p:embed/>
                 </p:oleObj>
               </mc:Choice>
@@ -3694,7 +3695,7 @@
           <a:graphicData uri="http://schemas.openxmlformats.org/presentationml/2006/ole">
             <mc:AlternateContent xmlns:mc="http://schemas.openxmlformats.org/markup-compatibility/2006">
               <mc:Choice xmlns:v="urn:schemas-microsoft-com:vml" Requires="v">
-                <p:oleObj spid="_x0000_s2080" name="Equation" r:id="rId7" imgW="190440" imgH="228600" progId="Equation.DSMT4">
+                <p:oleObj spid="_x0000_s2094" name="Equation" r:id="rId7" imgW="190440" imgH="228600" progId="Equation.DSMT4">
                   <p:embed/>
                 </p:oleObj>
               </mc:Choice>
@@ -3763,7 +3764,7 @@
           <a:graphicData uri="http://schemas.openxmlformats.org/presentationml/2006/ole">
             <mc:AlternateContent xmlns:mc="http://schemas.openxmlformats.org/markup-compatibility/2006">
               <mc:Choice xmlns:v="urn:schemas-microsoft-com:vml" Requires="v">
-                <p:oleObj spid="_x0000_s2081" name="Equation" r:id="rId9" imgW="164880" imgH="228600" progId="Equation.DSMT4">
+                <p:oleObj spid="_x0000_s2095" name="Equation" r:id="rId9" imgW="164880" imgH="228600" progId="Equation.DSMT4">
                   <p:embed/>
                 </p:oleObj>
               </mc:Choice>
@@ -3886,7 +3887,7 @@
           <a:graphicData uri="http://schemas.openxmlformats.org/presentationml/2006/ole">
             <mc:AlternateContent xmlns:mc="http://schemas.openxmlformats.org/markup-compatibility/2006">
               <mc:Choice xmlns:v="urn:schemas-microsoft-com:vml" Requires="v">
-                <p:oleObj spid="_x0000_s2082" name="Equation" r:id="rId11" imgW="190440" imgH="228600" progId="Equation.DSMT4">
+                <p:oleObj spid="_x0000_s2096" name="Equation" r:id="rId11" imgW="190440" imgH="228600" progId="Equation.DSMT4">
                   <p:embed/>
                 </p:oleObj>
               </mc:Choice>
@@ -4038,7 +4039,7 @@
           <a:graphicData uri="http://schemas.openxmlformats.org/presentationml/2006/ole">
             <mc:AlternateContent xmlns:mc="http://schemas.openxmlformats.org/markup-compatibility/2006">
               <mc:Choice xmlns:v="urn:schemas-microsoft-com:vml" Requires="v">
-                <p:oleObj spid="_x0000_s2083" name="Equation" r:id="rId13" imgW="164880" imgH="228600" progId="Equation.DSMT4">
+                <p:oleObj spid="_x0000_s2097" name="Equation" r:id="rId13" imgW="164880" imgH="228600" progId="Equation.DSMT4">
                   <p:embed/>
                 </p:oleObj>
               </mc:Choice>
@@ -4107,7 +4108,7 @@
           <a:graphicData uri="http://schemas.openxmlformats.org/presentationml/2006/ole">
             <mc:AlternateContent xmlns:mc="http://schemas.openxmlformats.org/markup-compatibility/2006">
               <mc:Choice xmlns:v="urn:schemas-microsoft-com:vml" Requires="v">
-                <p:oleObj spid="_x0000_s2084" name="Equation" r:id="rId15" imgW="164880" imgH="228600" progId="Equation.DSMT4">
+                <p:oleObj spid="_x0000_s2098" name="Equation" r:id="rId15" imgW="164880" imgH="228600" progId="Equation.DSMT4">
                   <p:embed/>
                 </p:oleObj>
               </mc:Choice>
@@ -4284,7 +4285,7 @@
           <a:graphicData uri="http://schemas.openxmlformats.org/presentationml/2006/ole">
             <mc:AlternateContent xmlns:mc="http://schemas.openxmlformats.org/markup-compatibility/2006">
               <mc:Choice xmlns:v="urn:schemas-microsoft-com:vml" Requires="v">
-                <p:oleObj spid="_x0000_s3114" name="Equation" r:id="rId3" imgW="203040" imgH="228600" progId="Equation.DSMT4">
+                <p:oleObj spid="_x0000_s3134" name="Equation" r:id="rId3" imgW="203040" imgH="228600" progId="Equation.DSMT4">
                   <p:embed/>
                 </p:oleObj>
               </mc:Choice>
@@ -4407,7 +4408,7 @@
           <a:graphicData uri="http://schemas.openxmlformats.org/presentationml/2006/ole">
             <mc:AlternateContent xmlns:mc="http://schemas.openxmlformats.org/markup-compatibility/2006">
               <mc:Choice xmlns:v="urn:schemas-microsoft-com:vml" Requires="v">
-                <p:oleObj spid="_x0000_s3115" name="Equation" r:id="rId5" imgW="190440" imgH="228600" progId="Equation.DSMT4">
+                <p:oleObj spid="_x0000_s3135" name="Equation" r:id="rId5" imgW="190440" imgH="228600" progId="Equation.DSMT4">
                   <p:embed/>
                 </p:oleObj>
               </mc:Choice>
@@ -4559,7 +4560,7 @@
           <a:graphicData uri="http://schemas.openxmlformats.org/presentationml/2006/ole">
             <mc:AlternateContent xmlns:mc="http://schemas.openxmlformats.org/markup-compatibility/2006">
               <mc:Choice xmlns:v="urn:schemas-microsoft-com:vml" Requires="v">
-                <p:oleObj spid="_x0000_s3116" name="Equation" r:id="rId7" imgW="190440" imgH="228600" progId="Equation.DSMT4">
+                <p:oleObj spid="_x0000_s3136" name="Equation" r:id="rId7" imgW="190440" imgH="228600" progId="Equation.DSMT4">
                   <p:embed/>
                 </p:oleObj>
               </mc:Choice>
@@ -4628,7 +4629,7 @@
           <a:graphicData uri="http://schemas.openxmlformats.org/presentationml/2006/ole">
             <mc:AlternateContent xmlns:mc="http://schemas.openxmlformats.org/markup-compatibility/2006">
               <mc:Choice xmlns:v="urn:schemas-microsoft-com:vml" Requires="v">
-                <p:oleObj spid="_x0000_s3117" name="Equation" r:id="rId9" imgW="164880" imgH="228600" progId="Equation.DSMT4">
+                <p:oleObj spid="_x0000_s3137" name="Equation" r:id="rId9" imgW="164880" imgH="228600" progId="Equation.DSMT4">
                   <p:embed/>
                 </p:oleObj>
               </mc:Choice>
@@ -4751,7 +4752,7 @@
           <a:graphicData uri="http://schemas.openxmlformats.org/presentationml/2006/ole">
             <mc:AlternateContent xmlns:mc="http://schemas.openxmlformats.org/markup-compatibility/2006">
               <mc:Choice xmlns:v="urn:schemas-microsoft-com:vml" Requires="v">
-                <p:oleObj spid="_x0000_s3118" name="Equation" r:id="rId11" imgW="190440" imgH="228600" progId="Equation.DSMT4">
+                <p:oleObj spid="_x0000_s3138" name="Equation" r:id="rId11" imgW="190440" imgH="228600" progId="Equation.DSMT4">
                   <p:embed/>
                 </p:oleObj>
               </mc:Choice>
@@ -4903,7 +4904,7 @@
           <a:graphicData uri="http://schemas.openxmlformats.org/presentationml/2006/ole">
             <mc:AlternateContent xmlns:mc="http://schemas.openxmlformats.org/markup-compatibility/2006">
               <mc:Choice xmlns:v="urn:schemas-microsoft-com:vml" Requires="v">
-                <p:oleObj spid="_x0000_s3119" name="Equation" r:id="rId13" imgW="164880" imgH="228600" progId="Equation.DSMT4">
+                <p:oleObj spid="_x0000_s3139" name="Equation" r:id="rId13" imgW="164880" imgH="228600" progId="Equation.DSMT4">
                   <p:embed/>
                 </p:oleObj>
               </mc:Choice>
@@ -4972,7 +4973,7 @@
           <a:graphicData uri="http://schemas.openxmlformats.org/presentationml/2006/ole">
             <mc:AlternateContent xmlns:mc="http://schemas.openxmlformats.org/markup-compatibility/2006">
               <mc:Choice xmlns:v="urn:schemas-microsoft-com:vml" Requires="v">
-                <p:oleObj spid="_x0000_s3120" name="Equation" r:id="rId15" imgW="164880" imgH="228600" progId="Equation.DSMT4">
+                <p:oleObj spid="_x0000_s3140" name="Equation" r:id="rId15" imgW="164880" imgH="228600" progId="Equation.DSMT4">
                   <p:embed/>
                 </p:oleObj>
               </mc:Choice>
@@ -5095,7 +5096,7 @@
           <a:graphicData uri="http://schemas.openxmlformats.org/presentationml/2006/ole">
             <mc:AlternateContent xmlns:mc="http://schemas.openxmlformats.org/markup-compatibility/2006">
               <mc:Choice xmlns:v="urn:schemas-microsoft-com:vml" Requires="v">
-                <p:oleObj spid="_x0000_s3121" name="Equation" r:id="rId17" imgW="253800" imgH="228600" progId="Equation.DSMT4">
+                <p:oleObj spid="_x0000_s3141" name="Equation" r:id="rId17" imgW="253800" imgH="228600" progId="Equation.DSMT4">
                   <p:embed/>
                 </p:oleObj>
               </mc:Choice>
@@ -5268,7 +5269,7 @@
           <a:graphicData uri="http://schemas.openxmlformats.org/presentationml/2006/ole">
             <mc:AlternateContent xmlns:mc="http://schemas.openxmlformats.org/markup-compatibility/2006">
               <mc:Choice xmlns:v="urn:schemas-microsoft-com:vml" Requires="v">
-                <p:oleObj spid="_x0000_s3122" name="Equation" r:id="rId19" imgW="164880" imgH="228600" progId="Equation.DSMT4">
+                <p:oleObj spid="_x0000_s3142" name="Equation" r:id="rId19" imgW="164880" imgH="228600" progId="Equation.DSMT4">
                   <p:embed/>
                 </p:oleObj>
               </mc:Choice>
@@ -5337,7 +5338,7 @@
           <a:graphicData uri="http://schemas.openxmlformats.org/presentationml/2006/ole">
             <mc:AlternateContent xmlns:mc="http://schemas.openxmlformats.org/markup-compatibility/2006">
               <mc:Choice xmlns:v="urn:schemas-microsoft-com:vml" Requires="v">
-                <p:oleObj spid="_x0000_s3123" name="Equation" r:id="rId21" imgW="164880" imgH="228600" progId="Equation.DSMT4">
+                <p:oleObj spid="_x0000_s3143" name="Equation" r:id="rId21" imgW="164880" imgH="228600" progId="Equation.DSMT4">
                   <p:embed/>
                 </p:oleObj>
               </mc:Choice>
@@ -5382,6 +5383,1918 @@
     <p:extLst>
       <p:ext uri="{BB962C8B-B14F-4D97-AF65-F5344CB8AC3E}">
         <p14:creationId xmlns:p14="http://schemas.microsoft.com/office/powerpoint/2010/main" val="494153922"/>
+      </p:ext>
+    </p:extLst>
+  </p:cSld>
+  <p:clrMapOvr>
+    <a:masterClrMapping/>
+  </p:clrMapOvr>
+</p:sld>
+</file>
+
+<file path=ppt/slides/slide4.xml><?xml version="1.0" encoding="utf-8"?>
+<p:sld xmlns:a="http://schemas.openxmlformats.org/drawingml/2006/main" xmlns:r="http://schemas.openxmlformats.org/officeDocument/2006/relationships" xmlns:p="http://schemas.openxmlformats.org/presentationml/2006/main">
+  <p:cSld>
+    <p:spTree>
+      <p:nvGrpSpPr>
+        <p:cNvPr id="1" name=""/>
+        <p:cNvGrpSpPr/>
+        <p:nvPr/>
+      </p:nvGrpSpPr>
+      <p:grpSpPr>
+        <a:xfrm>
+          <a:off x="0" y="0"/>
+          <a:ext cx="0" cy="0"/>
+          <a:chOff x="0" y="0"/>
+          <a:chExt cx="0" cy="0"/>
+        </a:xfrm>
+      </p:grpSpPr>
+      <p:sp>
+        <p:nvSpPr>
+          <p:cNvPr id="2" name="标题 1">
+            <a:extLst>
+              <a:ext uri="{FF2B5EF4-FFF2-40B4-BE49-F238E27FC236}">
+                <a16:creationId xmlns:a16="http://schemas.microsoft.com/office/drawing/2014/main" id="{0F96D7AB-9924-48CD-91F9-4025430C5894}"/>
+              </a:ext>
+            </a:extLst>
+          </p:cNvPr>
+          <p:cNvSpPr>
+            <a:spLocks noGrp="1"/>
+          </p:cNvSpPr>
+          <p:nvPr>
+            <p:ph type="title"/>
+          </p:nvPr>
+        </p:nvSpPr>
+        <p:spPr/>
+        <p:txBody>
+          <a:bodyPr/>
+          <a:lstStyle/>
+          <a:p>
+            <a:r>
+              <a:rPr lang="en-US" altLang="zh-CN" dirty="0"/>
+              <a:t>Reference Method</a:t>
+            </a:r>
+            <a:endParaRPr lang="zh-CN" altLang="en-US" dirty="0"/>
+          </a:p>
+        </p:txBody>
+      </p:sp>
+      <p:sp>
+        <p:nvSpPr>
+          <p:cNvPr id="4" name="椭圆 3">
+            <a:extLst>
+              <a:ext uri="{FF2B5EF4-FFF2-40B4-BE49-F238E27FC236}">
+                <a16:creationId xmlns:a16="http://schemas.microsoft.com/office/drawing/2014/main" id="{CE8412C5-668C-47F1-8DA3-D418C9E2ACED}"/>
+              </a:ext>
+            </a:extLst>
+          </p:cNvPr>
+          <p:cNvSpPr/>
+          <p:nvPr/>
+        </p:nvSpPr>
+        <p:spPr>
+          <a:xfrm>
+            <a:off x="2156755" y="2672227"/>
+            <a:ext cx="615094" cy="615094"/>
+          </a:xfrm>
+          <a:prstGeom prst="ellipse">
+            <a:avLst/>
+          </a:prstGeom>
+          <a:solidFill>
+            <a:schemeClr val="bg1"/>
+          </a:solidFill>
+          <a:ln w="19050"/>
+        </p:spPr>
+        <p:style>
+          <a:lnRef idx="2">
+            <a:schemeClr val="accent1">
+              <a:shade val="50000"/>
+            </a:schemeClr>
+          </a:lnRef>
+          <a:fillRef idx="1">
+            <a:schemeClr val="accent1"/>
+          </a:fillRef>
+          <a:effectRef idx="0">
+            <a:schemeClr val="accent1"/>
+          </a:effectRef>
+          <a:fontRef idx="minor">
+            <a:schemeClr val="lt1"/>
+          </a:fontRef>
+        </p:style>
+        <p:txBody>
+          <a:bodyPr rtlCol="0" anchor="ctr"/>
+          <a:lstStyle/>
+          <a:p>
+            <a:pPr algn="ctr"/>
+            <a:endParaRPr lang="en-US"/>
+          </a:p>
+        </p:txBody>
+      </p:sp>
+      <p:graphicFrame>
+        <p:nvGraphicFramePr>
+          <p:cNvPr id="5" name="对象 4">
+            <a:extLst>
+              <a:ext uri="{FF2B5EF4-FFF2-40B4-BE49-F238E27FC236}">
+                <a16:creationId xmlns:a16="http://schemas.microsoft.com/office/drawing/2014/main" id="{89D9307D-9A11-4227-AB76-3250C07D62B6}"/>
+              </a:ext>
+            </a:extLst>
+          </p:cNvPr>
+          <p:cNvGraphicFramePr>
+            <a:graphicFrameLocks noChangeAspect="1"/>
+          </p:cNvGraphicFramePr>
+          <p:nvPr>
+            <p:extLst>
+              <p:ext uri="{D42A27DB-BD31-4B8C-83A1-F6EECF244321}">
+                <p14:modId xmlns:p14="http://schemas.microsoft.com/office/powerpoint/2010/main" val="2675722635"/>
+              </p:ext>
+            </p:extLst>
+          </p:nvPr>
+        </p:nvGraphicFramePr>
+        <p:xfrm>
+          <a:off x="2265917" y="2751174"/>
+          <a:ext cx="406400" cy="457200"/>
+        </p:xfrm>
+        <a:graphic>
+          <a:graphicData uri="http://schemas.openxmlformats.org/presentationml/2006/ole">
+            <mc:AlternateContent xmlns:mc="http://schemas.openxmlformats.org/markup-compatibility/2006">
+              <mc:Choice xmlns:v="urn:schemas-microsoft-com:vml" Requires="v">
+                <p:oleObj spid="_x0000_s4163" name="Equation" r:id="rId3" imgW="203040" imgH="228600" progId="Equation.DSMT4">
+                  <p:embed/>
+                </p:oleObj>
+              </mc:Choice>
+              <mc:Fallback>
+                <p:oleObj name="Equation" r:id="rId3" imgW="203040" imgH="228600" progId="Equation.DSMT4">
+                  <p:embed/>
+                  <p:pic>
+                    <p:nvPicPr>
+                      <p:cNvPr id="5" name="对象 4">
+                        <a:extLst>
+                          <a:ext uri="{FF2B5EF4-FFF2-40B4-BE49-F238E27FC236}">
+                            <a16:creationId xmlns:a16="http://schemas.microsoft.com/office/drawing/2014/main" id="{2587C0D7-600D-4D90-BBC0-FF28CF62C961}"/>
+                          </a:ext>
+                        </a:extLst>
+                      </p:cNvPr>
+                      <p:cNvPicPr/>
+                      <p:nvPr/>
+                    </p:nvPicPr>
+                    <p:blipFill>
+                      <a:blip r:embed="rId4"/>
+                      <a:stretch>
+                        <a:fillRect/>
+                      </a:stretch>
+                    </p:blipFill>
+                    <p:spPr>
+                      <a:xfrm>
+                        <a:off x="2265917" y="2751174"/>
+                        <a:ext cx="406400" cy="457200"/>
+                      </a:xfrm>
+                      <a:prstGeom prst="rect">
+                        <a:avLst/>
+                      </a:prstGeom>
+                    </p:spPr>
+                  </p:pic>
+                </p:oleObj>
+              </mc:Fallback>
+            </mc:AlternateContent>
+          </a:graphicData>
+        </a:graphic>
+      </p:graphicFrame>
+      <p:sp>
+        <p:nvSpPr>
+          <p:cNvPr id="6" name="矩形 5">
+            <a:extLst>
+              <a:ext uri="{FF2B5EF4-FFF2-40B4-BE49-F238E27FC236}">
+                <a16:creationId xmlns:a16="http://schemas.microsoft.com/office/drawing/2014/main" id="{1F8147C3-FBC6-443D-A12F-4F927877DE10}"/>
+              </a:ext>
+            </a:extLst>
+          </p:cNvPr>
+          <p:cNvSpPr/>
+          <p:nvPr/>
+        </p:nvSpPr>
+        <p:spPr>
+          <a:xfrm>
+            <a:off x="3802438" y="2530548"/>
+            <a:ext cx="898452" cy="898452"/>
+          </a:xfrm>
+          <a:prstGeom prst="rect">
+            <a:avLst/>
+          </a:prstGeom>
+          <a:solidFill>
+            <a:schemeClr val="bg1"/>
+          </a:solidFill>
+          <a:ln w="19050">
+            <a:solidFill>
+              <a:schemeClr val="tx1"/>
+            </a:solidFill>
+          </a:ln>
+        </p:spPr>
+        <p:style>
+          <a:lnRef idx="2">
+            <a:schemeClr val="accent1">
+              <a:shade val="50000"/>
+            </a:schemeClr>
+          </a:lnRef>
+          <a:fillRef idx="1">
+            <a:schemeClr val="accent1"/>
+          </a:fillRef>
+          <a:effectRef idx="0">
+            <a:schemeClr val="accent1"/>
+          </a:effectRef>
+          <a:fontRef idx="minor">
+            <a:schemeClr val="lt1"/>
+          </a:fontRef>
+        </p:style>
+        <p:txBody>
+          <a:bodyPr rtlCol="0" anchor="ctr"/>
+          <a:lstStyle/>
+          <a:p>
+            <a:pPr algn="ctr"/>
+            <a:endParaRPr lang="en-US"/>
+          </a:p>
+        </p:txBody>
+      </p:sp>
+      <p:graphicFrame>
+        <p:nvGraphicFramePr>
+          <p:cNvPr id="7" name="对象 6">
+            <a:extLst>
+              <a:ext uri="{FF2B5EF4-FFF2-40B4-BE49-F238E27FC236}">
+                <a16:creationId xmlns:a16="http://schemas.microsoft.com/office/drawing/2014/main" id="{D152592C-4281-418B-A6CF-8BDA200971A5}"/>
+              </a:ext>
+            </a:extLst>
+          </p:cNvPr>
+          <p:cNvGraphicFramePr>
+            <a:graphicFrameLocks noChangeAspect="1"/>
+          </p:cNvGraphicFramePr>
+          <p:nvPr>
+            <p:extLst>
+              <p:ext uri="{D42A27DB-BD31-4B8C-83A1-F6EECF244321}">
+                <p14:modId xmlns:p14="http://schemas.microsoft.com/office/powerpoint/2010/main" val="2005046697"/>
+              </p:ext>
+            </p:extLst>
+          </p:nvPr>
+        </p:nvGraphicFramePr>
+        <p:xfrm>
+          <a:off x="4047236" y="2751138"/>
+          <a:ext cx="406400" cy="457200"/>
+        </p:xfrm>
+        <a:graphic>
+          <a:graphicData uri="http://schemas.openxmlformats.org/presentationml/2006/ole">
+            <mc:AlternateContent xmlns:mc="http://schemas.openxmlformats.org/markup-compatibility/2006">
+              <mc:Choice xmlns:v="urn:schemas-microsoft-com:vml" Requires="v">
+                <p:oleObj spid="_x0000_s4164" name="Equation" r:id="rId5" imgW="203040" imgH="228600" progId="Equation.DSMT4">
+                  <p:embed/>
+                </p:oleObj>
+              </mc:Choice>
+              <mc:Fallback>
+                <p:oleObj name="Equation" r:id="rId5" imgW="203040" imgH="228600" progId="Equation.DSMT4">
+                  <p:embed/>
+                  <p:pic>
+                    <p:nvPicPr>
+                      <p:cNvPr id="7" name="对象 6">
+                        <a:extLst>
+                          <a:ext uri="{FF2B5EF4-FFF2-40B4-BE49-F238E27FC236}">
+                            <a16:creationId xmlns:a16="http://schemas.microsoft.com/office/drawing/2014/main" id="{E4887F5A-1A0D-42A0-BDE5-342D71F37560}"/>
+                          </a:ext>
+                        </a:extLst>
+                      </p:cNvPr>
+                      <p:cNvPicPr/>
+                      <p:nvPr/>
+                    </p:nvPicPr>
+                    <p:blipFill>
+                      <a:blip r:embed="rId6"/>
+                      <a:stretch>
+                        <a:fillRect/>
+                      </a:stretch>
+                    </p:blipFill>
+                    <p:spPr>
+                      <a:xfrm>
+                        <a:off x="4047236" y="2751138"/>
+                        <a:ext cx="406400" cy="457200"/>
+                      </a:xfrm>
+                      <a:prstGeom prst="rect">
+                        <a:avLst/>
+                      </a:prstGeom>
+                    </p:spPr>
+                  </p:pic>
+                </p:oleObj>
+              </mc:Fallback>
+            </mc:AlternateContent>
+          </a:graphicData>
+        </a:graphic>
+      </p:graphicFrame>
+      <p:cxnSp>
+        <p:nvCxnSpPr>
+          <p:cNvPr id="8" name="直接箭头连接符 7">
+            <a:extLst>
+              <a:ext uri="{FF2B5EF4-FFF2-40B4-BE49-F238E27FC236}">
+                <a16:creationId xmlns:a16="http://schemas.microsoft.com/office/drawing/2014/main" id="{B334A93B-5995-44A3-BB17-E0D0490398B8}"/>
+              </a:ext>
+            </a:extLst>
+          </p:cNvPr>
+          <p:cNvCxnSpPr>
+            <a:cxnSpLocks/>
+            <a:stCxn id="4" idx="6"/>
+            <a:endCxn id="6" idx="1"/>
+          </p:cNvCxnSpPr>
+          <p:nvPr/>
+        </p:nvCxnSpPr>
+        <p:spPr>
+          <a:xfrm>
+            <a:off x="2771849" y="2979774"/>
+            <a:ext cx="1030589" cy="0"/>
+          </a:xfrm>
+          <a:prstGeom prst="straightConnector1">
+            <a:avLst/>
+          </a:prstGeom>
+          <a:ln w="19050">
+            <a:tailEnd type="triangle"/>
+          </a:ln>
+        </p:spPr>
+        <p:style>
+          <a:lnRef idx="1">
+            <a:schemeClr val="accent1"/>
+          </a:lnRef>
+          <a:fillRef idx="0">
+            <a:schemeClr val="accent1"/>
+          </a:fillRef>
+          <a:effectRef idx="0">
+            <a:schemeClr val="accent1"/>
+          </a:effectRef>
+          <a:fontRef idx="minor">
+            <a:schemeClr val="tx1"/>
+          </a:fontRef>
+        </p:style>
+      </p:cxnSp>
+      <p:graphicFrame>
+        <p:nvGraphicFramePr>
+          <p:cNvPr id="10" name="对象 9">
+            <a:extLst>
+              <a:ext uri="{FF2B5EF4-FFF2-40B4-BE49-F238E27FC236}">
+                <a16:creationId xmlns:a16="http://schemas.microsoft.com/office/drawing/2014/main" id="{1049812E-3029-4459-847F-322EC71C904B}"/>
+              </a:ext>
+            </a:extLst>
+          </p:cNvPr>
+          <p:cNvGraphicFramePr>
+            <a:graphicFrameLocks noChangeAspect="1"/>
+          </p:cNvGraphicFramePr>
+          <p:nvPr>
+            <p:extLst>
+              <p:ext uri="{D42A27DB-BD31-4B8C-83A1-F6EECF244321}">
+                <p14:modId xmlns:p14="http://schemas.microsoft.com/office/powerpoint/2010/main" val="3578154056"/>
+              </p:ext>
+            </p:extLst>
+          </p:nvPr>
+        </p:nvGraphicFramePr>
+        <p:xfrm>
+          <a:off x="3101797" y="2403926"/>
+          <a:ext cx="381000" cy="457200"/>
+        </p:xfrm>
+        <a:graphic>
+          <a:graphicData uri="http://schemas.openxmlformats.org/presentationml/2006/ole">
+            <mc:AlternateContent xmlns:mc="http://schemas.openxmlformats.org/markup-compatibility/2006">
+              <mc:Choice xmlns:v="urn:schemas-microsoft-com:vml" Requires="v">
+                <p:oleObj spid="_x0000_s4165" name="Equation" r:id="rId7" imgW="190440" imgH="228600" progId="Equation.DSMT4">
+                  <p:embed/>
+                </p:oleObj>
+              </mc:Choice>
+              <mc:Fallback>
+                <p:oleObj name="Equation" r:id="rId7" imgW="190440" imgH="228600" progId="Equation.DSMT4">
+                  <p:embed/>
+                  <p:pic>
+                    <p:nvPicPr>
+                      <p:cNvPr id="10" name="对象 9">
+                        <a:extLst>
+                          <a:ext uri="{FF2B5EF4-FFF2-40B4-BE49-F238E27FC236}">
+                            <a16:creationId xmlns:a16="http://schemas.microsoft.com/office/drawing/2014/main" id="{1D148A25-626F-474F-98A2-38E5E31A971A}"/>
+                          </a:ext>
+                        </a:extLst>
+                      </p:cNvPr>
+                      <p:cNvPicPr/>
+                      <p:nvPr/>
+                    </p:nvPicPr>
+                    <p:blipFill>
+                      <a:blip r:embed="rId8"/>
+                      <a:stretch>
+                        <a:fillRect/>
+                      </a:stretch>
+                    </p:blipFill>
+                    <p:spPr>
+                      <a:xfrm>
+                        <a:off x="3101797" y="2403926"/>
+                        <a:ext cx="381000" cy="457200"/>
+                      </a:xfrm>
+                      <a:prstGeom prst="rect">
+                        <a:avLst/>
+                      </a:prstGeom>
+                    </p:spPr>
+                  </p:pic>
+                </p:oleObj>
+              </mc:Fallback>
+            </mc:AlternateContent>
+          </a:graphicData>
+        </a:graphic>
+      </p:graphicFrame>
+      <p:cxnSp>
+        <p:nvCxnSpPr>
+          <p:cNvPr id="14" name="直接箭头连接符 13">
+            <a:extLst>
+              <a:ext uri="{FF2B5EF4-FFF2-40B4-BE49-F238E27FC236}">
+                <a16:creationId xmlns:a16="http://schemas.microsoft.com/office/drawing/2014/main" id="{A742059F-1624-4C03-904E-EB6576E46CD0}"/>
+              </a:ext>
+            </a:extLst>
+          </p:cNvPr>
+          <p:cNvCxnSpPr>
+            <a:cxnSpLocks/>
+            <a:stCxn id="6" idx="3"/>
+          </p:cNvCxnSpPr>
+          <p:nvPr/>
+        </p:nvCxnSpPr>
+        <p:spPr>
+          <a:xfrm flipV="1">
+            <a:off x="4700890" y="2979280"/>
+            <a:ext cx="1030013" cy="494"/>
+          </a:xfrm>
+          <a:prstGeom prst="straightConnector1">
+            <a:avLst/>
+          </a:prstGeom>
+          <a:ln w="19050">
+            <a:tailEnd type="triangle"/>
+          </a:ln>
+        </p:spPr>
+        <p:style>
+          <a:lnRef idx="1">
+            <a:schemeClr val="accent1"/>
+          </a:lnRef>
+          <a:fillRef idx="0">
+            <a:schemeClr val="accent1"/>
+          </a:fillRef>
+          <a:effectRef idx="0">
+            <a:schemeClr val="accent1"/>
+          </a:effectRef>
+          <a:fontRef idx="minor">
+            <a:schemeClr val="tx1"/>
+          </a:fontRef>
+        </p:style>
+      </p:cxnSp>
+      <p:graphicFrame>
+        <p:nvGraphicFramePr>
+          <p:cNvPr id="17" name="对象 16">
+            <a:extLst>
+              <a:ext uri="{FF2B5EF4-FFF2-40B4-BE49-F238E27FC236}">
+                <a16:creationId xmlns:a16="http://schemas.microsoft.com/office/drawing/2014/main" id="{0D22F3AB-DBA1-4AB4-9870-DBA68A99B138}"/>
+              </a:ext>
+            </a:extLst>
+          </p:cNvPr>
+          <p:cNvGraphicFramePr>
+            <a:graphicFrameLocks noChangeAspect="1"/>
+          </p:cNvGraphicFramePr>
+          <p:nvPr>
+            <p:extLst>
+              <p:ext uri="{D42A27DB-BD31-4B8C-83A1-F6EECF244321}">
+                <p14:modId xmlns:p14="http://schemas.microsoft.com/office/powerpoint/2010/main" val="2886184306"/>
+              </p:ext>
+            </p:extLst>
+          </p:nvPr>
+        </p:nvGraphicFramePr>
+        <p:xfrm>
+          <a:off x="5049654" y="2403926"/>
+          <a:ext cx="335922" cy="457200"/>
+        </p:xfrm>
+        <a:graphic>
+          <a:graphicData uri="http://schemas.openxmlformats.org/presentationml/2006/ole">
+            <mc:AlternateContent xmlns:mc="http://schemas.openxmlformats.org/markup-compatibility/2006">
+              <mc:Choice xmlns:v="urn:schemas-microsoft-com:vml" Requires="v">
+                <p:oleObj spid="_x0000_s4166" name="Equation" r:id="rId9" imgW="164880" imgH="228600" progId="Equation.DSMT4">
+                  <p:embed/>
+                </p:oleObj>
+              </mc:Choice>
+              <mc:Fallback>
+                <p:oleObj name="Equation" r:id="rId9" imgW="164880" imgH="228600" progId="Equation.DSMT4">
+                  <p:embed/>
+                  <p:pic>
+                    <p:nvPicPr>
+                      <p:cNvPr id="17" name="对象 16">
+                        <a:extLst>
+                          <a:ext uri="{FF2B5EF4-FFF2-40B4-BE49-F238E27FC236}">
+                            <a16:creationId xmlns:a16="http://schemas.microsoft.com/office/drawing/2014/main" id="{300A183B-36CD-4127-A9EA-251B3CE945C9}"/>
+                          </a:ext>
+                        </a:extLst>
+                      </p:cNvPr>
+                      <p:cNvPicPr/>
+                      <p:nvPr/>
+                    </p:nvPicPr>
+                    <p:blipFill>
+                      <a:blip r:embed="rId10"/>
+                      <a:stretch>
+                        <a:fillRect/>
+                      </a:stretch>
+                    </p:blipFill>
+                    <p:spPr>
+                      <a:xfrm>
+                        <a:off x="5049654" y="2403926"/>
+                        <a:ext cx="335922" cy="457200"/>
+                      </a:xfrm>
+                      <a:prstGeom prst="rect">
+                        <a:avLst/>
+                      </a:prstGeom>
+                    </p:spPr>
+                  </p:pic>
+                </p:oleObj>
+              </mc:Fallback>
+            </mc:AlternateContent>
+          </a:graphicData>
+        </a:graphic>
+      </p:graphicFrame>
+      <p:sp>
+        <p:nvSpPr>
+          <p:cNvPr id="18" name="矩形 17">
+            <a:extLst>
+              <a:ext uri="{FF2B5EF4-FFF2-40B4-BE49-F238E27FC236}">
+                <a16:creationId xmlns:a16="http://schemas.microsoft.com/office/drawing/2014/main" id="{919711B8-3B0C-444A-A4EB-262F521E37E7}"/>
+              </a:ext>
+            </a:extLst>
+          </p:cNvPr>
+          <p:cNvSpPr/>
+          <p:nvPr/>
+        </p:nvSpPr>
+        <p:spPr>
+          <a:xfrm>
+            <a:off x="3801287" y="4458180"/>
+            <a:ext cx="898452" cy="898452"/>
+          </a:xfrm>
+          <a:prstGeom prst="rect">
+            <a:avLst/>
+          </a:prstGeom>
+          <a:solidFill>
+            <a:schemeClr val="bg1"/>
+          </a:solidFill>
+          <a:ln w="19050">
+            <a:solidFill>
+              <a:schemeClr val="tx1"/>
+            </a:solidFill>
+          </a:ln>
+        </p:spPr>
+        <p:style>
+          <a:lnRef idx="2">
+            <a:schemeClr val="accent1">
+              <a:shade val="50000"/>
+            </a:schemeClr>
+          </a:lnRef>
+          <a:fillRef idx="1">
+            <a:schemeClr val="accent1"/>
+          </a:fillRef>
+          <a:effectRef idx="0">
+            <a:schemeClr val="accent1"/>
+          </a:effectRef>
+          <a:fontRef idx="minor">
+            <a:schemeClr val="lt1"/>
+          </a:fontRef>
+        </p:style>
+        <p:txBody>
+          <a:bodyPr rtlCol="0" anchor="ctr"/>
+          <a:lstStyle/>
+          <a:p>
+            <a:pPr algn="ctr"/>
+            <a:endParaRPr lang="en-US"/>
+          </a:p>
+        </p:txBody>
+      </p:sp>
+      <p:graphicFrame>
+        <p:nvGraphicFramePr>
+          <p:cNvPr id="19" name="对象 18">
+            <a:extLst>
+              <a:ext uri="{FF2B5EF4-FFF2-40B4-BE49-F238E27FC236}">
+                <a16:creationId xmlns:a16="http://schemas.microsoft.com/office/drawing/2014/main" id="{CC8B4BDD-3CCE-4EC6-96F9-B72204E0B420}"/>
+              </a:ext>
+            </a:extLst>
+          </p:cNvPr>
+          <p:cNvGraphicFramePr>
+            <a:graphicFrameLocks noChangeAspect="1"/>
+          </p:cNvGraphicFramePr>
+          <p:nvPr>
+            <p:extLst>
+              <p:ext uri="{D42A27DB-BD31-4B8C-83A1-F6EECF244321}">
+                <p14:modId xmlns:p14="http://schemas.microsoft.com/office/powerpoint/2010/main" val="1189691994"/>
+              </p:ext>
+            </p:extLst>
+          </p:nvPr>
+        </p:nvGraphicFramePr>
+        <p:xfrm>
+          <a:off x="4034536" y="4678363"/>
+          <a:ext cx="431800" cy="457200"/>
+        </p:xfrm>
+        <a:graphic>
+          <a:graphicData uri="http://schemas.openxmlformats.org/presentationml/2006/ole">
+            <mc:AlternateContent xmlns:mc="http://schemas.openxmlformats.org/markup-compatibility/2006">
+              <mc:Choice xmlns:v="urn:schemas-microsoft-com:vml" Requires="v">
+                <p:oleObj spid="_x0000_s4167" name="Equation" r:id="rId11" imgW="215640" imgH="228600" progId="Equation.DSMT4">
+                  <p:embed/>
+                </p:oleObj>
+              </mc:Choice>
+              <mc:Fallback>
+                <p:oleObj name="Equation" r:id="rId11" imgW="215640" imgH="228600" progId="Equation.DSMT4">
+                  <p:embed/>
+                  <p:pic>
+                    <p:nvPicPr>
+                      <p:cNvPr id="19" name="对象 18">
+                        <a:extLst>
+                          <a:ext uri="{FF2B5EF4-FFF2-40B4-BE49-F238E27FC236}">
+                            <a16:creationId xmlns:a16="http://schemas.microsoft.com/office/drawing/2014/main" id="{FF052C90-8FF9-4052-AC88-295FCE7BF3C6}"/>
+                          </a:ext>
+                        </a:extLst>
+                      </p:cNvPr>
+                      <p:cNvPicPr/>
+                      <p:nvPr/>
+                    </p:nvPicPr>
+                    <p:blipFill>
+                      <a:blip r:embed="rId12"/>
+                      <a:stretch>
+                        <a:fillRect/>
+                      </a:stretch>
+                    </p:blipFill>
+                    <p:spPr>
+                      <a:xfrm>
+                        <a:off x="4034536" y="4678363"/>
+                        <a:ext cx="431800" cy="457200"/>
+                      </a:xfrm>
+                      <a:prstGeom prst="rect">
+                        <a:avLst/>
+                      </a:prstGeom>
+                    </p:spPr>
+                  </p:pic>
+                </p:oleObj>
+              </mc:Fallback>
+            </mc:AlternateContent>
+          </a:graphicData>
+        </a:graphic>
+      </p:graphicFrame>
+      <p:cxnSp>
+        <p:nvCxnSpPr>
+          <p:cNvPr id="26" name="连接符: 肘形 25">
+            <a:extLst>
+              <a:ext uri="{FF2B5EF4-FFF2-40B4-BE49-F238E27FC236}">
+                <a16:creationId xmlns:a16="http://schemas.microsoft.com/office/drawing/2014/main" id="{2768E332-9F80-4D57-87D6-7DD41FCB2F09}"/>
+              </a:ext>
+            </a:extLst>
+          </p:cNvPr>
+          <p:cNvCxnSpPr>
+            <a:stCxn id="4" idx="4"/>
+            <a:endCxn id="18" idx="1"/>
+          </p:cNvCxnSpPr>
+          <p:nvPr/>
+        </p:nvCxnSpPr>
+        <p:spPr>
+          <a:xfrm rot="16200000" flipH="1">
+            <a:off x="2322752" y="3428870"/>
+            <a:ext cx="1620085" cy="1336985"/>
+          </a:xfrm>
+          <a:prstGeom prst="bentConnector2">
+            <a:avLst/>
+          </a:prstGeom>
+          <a:ln w="19050">
+            <a:tailEnd type="triangle"/>
+          </a:ln>
+        </p:spPr>
+        <p:style>
+          <a:lnRef idx="1">
+            <a:schemeClr val="accent1"/>
+          </a:lnRef>
+          <a:fillRef idx="0">
+            <a:schemeClr val="accent1"/>
+          </a:fillRef>
+          <a:effectRef idx="0">
+            <a:schemeClr val="accent1"/>
+          </a:effectRef>
+          <a:fontRef idx="minor">
+            <a:schemeClr val="tx1"/>
+          </a:fontRef>
+        </p:style>
+      </p:cxnSp>
+      <p:graphicFrame>
+        <p:nvGraphicFramePr>
+          <p:cNvPr id="27" name="对象 26">
+            <a:extLst>
+              <a:ext uri="{FF2B5EF4-FFF2-40B4-BE49-F238E27FC236}">
+                <a16:creationId xmlns:a16="http://schemas.microsoft.com/office/drawing/2014/main" id="{36E9B478-1A9B-4E0E-B62F-244F6767242B}"/>
+              </a:ext>
+            </a:extLst>
+          </p:cNvPr>
+          <p:cNvGraphicFramePr>
+            <a:graphicFrameLocks noChangeAspect="1"/>
+          </p:cNvGraphicFramePr>
+          <p:nvPr>
+            <p:extLst>
+              <p:ext uri="{D42A27DB-BD31-4B8C-83A1-F6EECF244321}">
+                <p14:modId xmlns:p14="http://schemas.microsoft.com/office/powerpoint/2010/main" val="1612767138"/>
+              </p:ext>
+            </p:extLst>
+          </p:nvPr>
+        </p:nvGraphicFramePr>
+        <p:xfrm>
+          <a:off x="3024886" y="4329113"/>
+          <a:ext cx="533400" cy="482600"/>
+        </p:xfrm>
+        <a:graphic>
+          <a:graphicData uri="http://schemas.openxmlformats.org/presentationml/2006/ole">
+            <mc:AlternateContent xmlns:mc="http://schemas.openxmlformats.org/markup-compatibility/2006">
+              <mc:Choice xmlns:v="urn:schemas-microsoft-com:vml" Requires="v">
+                <p:oleObj spid="_x0000_s4168" name="Equation" r:id="rId13" imgW="266400" imgH="241200" progId="Equation.DSMT4">
+                  <p:embed/>
+                </p:oleObj>
+              </mc:Choice>
+              <mc:Fallback>
+                <p:oleObj name="Equation" r:id="rId13" imgW="266400" imgH="241200" progId="Equation.DSMT4">
+                  <p:embed/>
+                  <p:pic>
+                    <p:nvPicPr>
+                      <p:cNvPr id="10" name="对象 9">
+                        <a:extLst>
+                          <a:ext uri="{FF2B5EF4-FFF2-40B4-BE49-F238E27FC236}">
+                            <a16:creationId xmlns:a16="http://schemas.microsoft.com/office/drawing/2014/main" id="{1049812E-3029-4459-847F-322EC71C904B}"/>
+                          </a:ext>
+                        </a:extLst>
+                      </p:cNvPr>
+                      <p:cNvPicPr/>
+                      <p:nvPr/>
+                    </p:nvPicPr>
+                    <p:blipFill>
+                      <a:blip r:embed="rId14"/>
+                      <a:stretch>
+                        <a:fillRect/>
+                      </a:stretch>
+                    </p:blipFill>
+                    <p:spPr>
+                      <a:xfrm>
+                        <a:off x="3024886" y="4329113"/>
+                        <a:ext cx="533400" cy="482600"/>
+                      </a:xfrm>
+                      <a:prstGeom prst="rect">
+                        <a:avLst/>
+                      </a:prstGeom>
+                    </p:spPr>
+                  </p:pic>
+                </p:oleObj>
+              </mc:Fallback>
+            </mc:AlternateContent>
+          </a:graphicData>
+        </a:graphic>
+      </p:graphicFrame>
+      <p:cxnSp>
+        <p:nvCxnSpPr>
+          <p:cNvPr id="29" name="直接箭头连接符 28">
+            <a:extLst>
+              <a:ext uri="{FF2B5EF4-FFF2-40B4-BE49-F238E27FC236}">
+                <a16:creationId xmlns:a16="http://schemas.microsoft.com/office/drawing/2014/main" id="{D3D18DE5-88E4-4EC3-943E-580AE252857C}"/>
+              </a:ext>
+            </a:extLst>
+          </p:cNvPr>
+          <p:cNvCxnSpPr>
+            <a:cxnSpLocks/>
+            <a:stCxn id="18" idx="3"/>
+          </p:cNvCxnSpPr>
+          <p:nvPr/>
+        </p:nvCxnSpPr>
+        <p:spPr>
+          <a:xfrm>
+            <a:off x="4699739" y="4907406"/>
+            <a:ext cx="1031740" cy="0"/>
+          </a:xfrm>
+          <a:prstGeom prst="straightConnector1">
+            <a:avLst/>
+          </a:prstGeom>
+          <a:ln w="19050">
+            <a:tailEnd type="triangle"/>
+          </a:ln>
+        </p:spPr>
+        <p:style>
+          <a:lnRef idx="1">
+            <a:schemeClr val="accent1"/>
+          </a:lnRef>
+          <a:fillRef idx="0">
+            <a:schemeClr val="accent1"/>
+          </a:fillRef>
+          <a:effectRef idx="0">
+            <a:schemeClr val="accent1"/>
+          </a:effectRef>
+          <a:fontRef idx="minor">
+            <a:schemeClr val="tx1"/>
+          </a:fontRef>
+        </p:style>
+      </p:cxnSp>
+      <p:graphicFrame>
+        <p:nvGraphicFramePr>
+          <p:cNvPr id="32" name="对象 31">
+            <a:extLst>
+              <a:ext uri="{FF2B5EF4-FFF2-40B4-BE49-F238E27FC236}">
+                <a16:creationId xmlns:a16="http://schemas.microsoft.com/office/drawing/2014/main" id="{6222AF2F-7984-4760-A1CA-800085AB3B93}"/>
+              </a:ext>
+            </a:extLst>
+          </p:cNvPr>
+          <p:cNvGraphicFramePr>
+            <a:graphicFrameLocks noChangeAspect="1"/>
+          </p:cNvGraphicFramePr>
+          <p:nvPr>
+            <p:extLst>
+              <p:ext uri="{D42A27DB-BD31-4B8C-83A1-F6EECF244321}">
+                <p14:modId xmlns:p14="http://schemas.microsoft.com/office/powerpoint/2010/main" val="2227297442"/>
+              </p:ext>
+            </p:extLst>
+          </p:nvPr>
+        </p:nvGraphicFramePr>
+        <p:xfrm>
+          <a:off x="5153724" y="4329113"/>
+          <a:ext cx="457200" cy="482600"/>
+        </p:xfrm>
+        <a:graphic>
+          <a:graphicData uri="http://schemas.openxmlformats.org/presentationml/2006/ole">
+            <mc:AlternateContent xmlns:mc="http://schemas.openxmlformats.org/markup-compatibility/2006">
+              <mc:Choice xmlns:v="urn:schemas-microsoft-com:vml" Requires="v">
+                <p:oleObj spid="_x0000_s4169" name="Equation" r:id="rId15" imgW="228600" imgH="241200" progId="Equation.DSMT4">
+                  <p:embed/>
+                </p:oleObj>
+              </mc:Choice>
+              <mc:Fallback>
+                <p:oleObj name="Equation" r:id="rId15" imgW="228600" imgH="241200" progId="Equation.DSMT4">
+                  <p:embed/>
+                  <p:pic>
+                    <p:nvPicPr>
+                      <p:cNvPr id="27" name="对象 26">
+                        <a:extLst>
+                          <a:ext uri="{FF2B5EF4-FFF2-40B4-BE49-F238E27FC236}">
+                            <a16:creationId xmlns:a16="http://schemas.microsoft.com/office/drawing/2014/main" id="{36E9B478-1A9B-4E0E-B62F-244F6767242B}"/>
+                          </a:ext>
+                        </a:extLst>
+                      </p:cNvPr>
+                      <p:cNvPicPr/>
+                      <p:nvPr/>
+                    </p:nvPicPr>
+                    <p:blipFill>
+                      <a:blip r:embed="rId16"/>
+                      <a:stretch>
+                        <a:fillRect/>
+                      </a:stretch>
+                    </p:blipFill>
+                    <p:spPr>
+                      <a:xfrm>
+                        <a:off x="5153724" y="4329113"/>
+                        <a:ext cx="457200" cy="482600"/>
+                      </a:xfrm>
+                      <a:prstGeom prst="rect">
+                        <a:avLst/>
+                      </a:prstGeom>
+                    </p:spPr>
+                  </p:pic>
+                </p:oleObj>
+              </mc:Fallback>
+            </mc:AlternateContent>
+          </a:graphicData>
+        </a:graphic>
+      </p:graphicFrame>
+      <p:sp>
+        <p:nvSpPr>
+          <p:cNvPr id="33" name="椭圆 32">
+            <a:extLst>
+              <a:ext uri="{FF2B5EF4-FFF2-40B4-BE49-F238E27FC236}">
+                <a16:creationId xmlns:a16="http://schemas.microsoft.com/office/drawing/2014/main" id="{A590D8E1-BF5C-41BD-9D51-3074461057D5}"/>
+              </a:ext>
+            </a:extLst>
+          </p:cNvPr>
+          <p:cNvSpPr/>
+          <p:nvPr/>
+        </p:nvSpPr>
+        <p:spPr>
+          <a:xfrm>
+            <a:off x="6266596" y="2672227"/>
+            <a:ext cx="615094" cy="615094"/>
+          </a:xfrm>
+          <a:prstGeom prst="ellipse">
+            <a:avLst/>
+          </a:prstGeom>
+          <a:solidFill>
+            <a:schemeClr val="bg1"/>
+          </a:solidFill>
+          <a:ln w="19050"/>
+        </p:spPr>
+        <p:style>
+          <a:lnRef idx="2">
+            <a:schemeClr val="accent1">
+              <a:shade val="50000"/>
+            </a:schemeClr>
+          </a:lnRef>
+          <a:fillRef idx="1">
+            <a:schemeClr val="accent1"/>
+          </a:fillRef>
+          <a:effectRef idx="0">
+            <a:schemeClr val="accent1"/>
+          </a:effectRef>
+          <a:fontRef idx="minor">
+            <a:schemeClr val="lt1"/>
+          </a:fontRef>
+        </p:style>
+        <p:txBody>
+          <a:bodyPr rtlCol="0" anchor="ctr"/>
+          <a:lstStyle/>
+          <a:p>
+            <a:pPr algn="ctr"/>
+            <a:endParaRPr lang="en-US"/>
+          </a:p>
+        </p:txBody>
+      </p:sp>
+      <p:graphicFrame>
+        <p:nvGraphicFramePr>
+          <p:cNvPr id="34" name="对象 33">
+            <a:extLst>
+              <a:ext uri="{FF2B5EF4-FFF2-40B4-BE49-F238E27FC236}">
+                <a16:creationId xmlns:a16="http://schemas.microsoft.com/office/drawing/2014/main" id="{52FD9631-25BF-424A-8ABA-CCF47DBAFDD7}"/>
+              </a:ext>
+            </a:extLst>
+          </p:cNvPr>
+          <p:cNvGraphicFramePr>
+            <a:graphicFrameLocks noChangeAspect="1"/>
+          </p:cNvGraphicFramePr>
+          <p:nvPr>
+            <p:extLst>
+              <p:ext uri="{D42A27DB-BD31-4B8C-83A1-F6EECF244321}">
+                <p14:modId xmlns:p14="http://schemas.microsoft.com/office/powerpoint/2010/main" val="1205131278"/>
+              </p:ext>
+            </p:extLst>
+          </p:nvPr>
+        </p:nvGraphicFramePr>
+        <p:xfrm>
+          <a:off x="6375758" y="2751174"/>
+          <a:ext cx="406400" cy="457200"/>
+        </p:xfrm>
+        <a:graphic>
+          <a:graphicData uri="http://schemas.openxmlformats.org/presentationml/2006/ole">
+            <mc:AlternateContent xmlns:mc="http://schemas.openxmlformats.org/markup-compatibility/2006">
+              <mc:Choice xmlns:v="urn:schemas-microsoft-com:vml" Requires="v">
+                <p:oleObj spid="_x0000_s4170" name="Equation" r:id="rId3" imgW="203040" imgH="228600" progId="Equation.DSMT4">
+                  <p:embed/>
+                </p:oleObj>
+              </mc:Choice>
+              <mc:Fallback>
+                <p:oleObj name="Equation" r:id="rId3" imgW="203040" imgH="228600" progId="Equation.DSMT4">
+                  <p:embed/>
+                  <p:pic>
+                    <p:nvPicPr>
+                      <p:cNvPr id="5" name="对象 4">
+                        <a:extLst>
+                          <a:ext uri="{FF2B5EF4-FFF2-40B4-BE49-F238E27FC236}">
+                            <a16:creationId xmlns:a16="http://schemas.microsoft.com/office/drawing/2014/main" id="{89D9307D-9A11-4227-AB76-3250C07D62B6}"/>
+                          </a:ext>
+                        </a:extLst>
+                      </p:cNvPr>
+                      <p:cNvPicPr/>
+                      <p:nvPr/>
+                    </p:nvPicPr>
+                    <p:blipFill>
+                      <a:blip r:embed="rId4"/>
+                      <a:stretch>
+                        <a:fillRect/>
+                      </a:stretch>
+                    </p:blipFill>
+                    <p:spPr>
+                      <a:xfrm>
+                        <a:off x="6375758" y="2751174"/>
+                        <a:ext cx="406400" cy="457200"/>
+                      </a:xfrm>
+                      <a:prstGeom prst="rect">
+                        <a:avLst/>
+                      </a:prstGeom>
+                    </p:spPr>
+                  </p:pic>
+                </p:oleObj>
+              </mc:Fallback>
+            </mc:AlternateContent>
+          </a:graphicData>
+        </a:graphic>
+      </p:graphicFrame>
+      <p:sp>
+        <p:nvSpPr>
+          <p:cNvPr id="35" name="矩形 34">
+            <a:extLst>
+              <a:ext uri="{FF2B5EF4-FFF2-40B4-BE49-F238E27FC236}">
+                <a16:creationId xmlns:a16="http://schemas.microsoft.com/office/drawing/2014/main" id="{6C2BB83F-22D9-4F05-9923-0C2898EE3683}"/>
+              </a:ext>
+            </a:extLst>
+          </p:cNvPr>
+          <p:cNvSpPr/>
+          <p:nvPr/>
+        </p:nvSpPr>
+        <p:spPr>
+          <a:xfrm>
+            <a:off x="7912279" y="2530548"/>
+            <a:ext cx="898452" cy="898452"/>
+          </a:xfrm>
+          <a:prstGeom prst="rect">
+            <a:avLst/>
+          </a:prstGeom>
+          <a:solidFill>
+            <a:schemeClr val="bg1"/>
+          </a:solidFill>
+          <a:ln w="19050">
+            <a:solidFill>
+              <a:schemeClr val="tx1"/>
+            </a:solidFill>
+          </a:ln>
+        </p:spPr>
+        <p:style>
+          <a:lnRef idx="2">
+            <a:schemeClr val="accent1">
+              <a:shade val="50000"/>
+            </a:schemeClr>
+          </a:lnRef>
+          <a:fillRef idx="1">
+            <a:schemeClr val="accent1"/>
+          </a:fillRef>
+          <a:effectRef idx="0">
+            <a:schemeClr val="accent1"/>
+          </a:effectRef>
+          <a:fontRef idx="minor">
+            <a:schemeClr val="lt1"/>
+          </a:fontRef>
+        </p:style>
+        <p:txBody>
+          <a:bodyPr rtlCol="0" anchor="ctr"/>
+          <a:lstStyle/>
+          <a:p>
+            <a:pPr algn="ctr"/>
+            <a:endParaRPr lang="en-US"/>
+          </a:p>
+        </p:txBody>
+      </p:sp>
+      <p:graphicFrame>
+        <p:nvGraphicFramePr>
+          <p:cNvPr id="36" name="对象 35">
+            <a:extLst>
+              <a:ext uri="{FF2B5EF4-FFF2-40B4-BE49-F238E27FC236}">
+                <a16:creationId xmlns:a16="http://schemas.microsoft.com/office/drawing/2014/main" id="{C4493C79-3A21-4BD4-9773-B89D053A0228}"/>
+              </a:ext>
+            </a:extLst>
+          </p:cNvPr>
+          <p:cNvGraphicFramePr>
+            <a:graphicFrameLocks noChangeAspect="1"/>
+          </p:cNvGraphicFramePr>
+          <p:nvPr>
+            <p:extLst>
+              <p:ext uri="{D42A27DB-BD31-4B8C-83A1-F6EECF244321}">
+                <p14:modId xmlns:p14="http://schemas.microsoft.com/office/powerpoint/2010/main" val="2603284864"/>
+              </p:ext>
+            </p:extLst>
+          </p:nvPr>
+        </p:nvGraphicFramePr>
+        <p:xfrm>
+          <a:off x="8080877" y="2751138"/>
+          <a:ext cx="558800" cy="457200"/>
+        </p:xfrm>
+        <a:graphic>
+          <a:graphicData uri="http://schemas.openxmlformats.org/presentationml/2006/ole">
+            <mc:AlternateContent xmlns:mc="http://schemas.openxmlformats.org/markup-compatibility/2006">
+              <mc:Choice xmlns:v="urn:schemas-microsoft-com:vml" Requires="v">
+                <p:oleObj spid="_x0000_s4171" name="Equation" r:id="rId17" imgW="279360" imgH="228600" progId="Equation.DSMT4">
+                  <p:embed/>
+                </p:oleObj>
+              </mc:Choice>
+              <mc:Fallback>
+                <p:oleObj name="Equation" r:id="rId17" imgW="279360" imgH="228600" progId="Equation.DSMT4">
+                  <p:embed/>
+                  <p:pic>
+                    <p:nvPicPr>
+                      <p:cNvPr id="7" name="对象 6">
+                        <a:extLst>
+                          <a:ext uri="{FF2B5EF4-FFF2-40B4-BE49-F238E27FC236}">
+                            <a16:creationId xmlns:a16="http://schemas.microsoft.com/office/drawing/2014/main" id="{D152592C-4281-418B-A6CF-8BDA200971A5}"/>
+                          </a:ext>
+                        </a:extLst>
+                      </p:cNvPr>
+                      <p:cNvPicPr/>
+                      <p:nvPr/>
+                    </p:nvPicPr>
+                    <p:blipFill>
+                      <a:blip r:embed="rId18"/>
+                      <a:stretch>
+                        <a:fillRect/>
+                      </a:stretch>
+                    </p:blipFill>
+                    <p:spPr>
+                      <a:xfrm>
+                        <a:off x="8080877" y="2751138"/>
+                        <a:ext cx="558800" cy="457200"/>
+                      </a:xfrm>
+                      <a:prstGeom prst="rect">
+                        <a:avLst/>
+                      </a:prstGeom>
+                    </p:spPr>
+                  </p:pic>
+                </p:oleObj>
+              </mc:Fallback>
+            </mc:AlternateContent>
+          </a:graphicData>
+        </a:graphic>
+      </p:graphicFrame>
+      <p:cxnSp>
+        <p:nvCxnSpPr>
+          <p:cNvPr id="37" name="直接箭头连接符 36">
+            <a:extLst>
+              <a:ext uri="{FF2B5EF4-FFF2-40B4-BE49-F238E27FC236}">
+                <a16:creationId xmlns:a16="http://schemas.microsoft.com/office/drawing/2014/main" id="{0ED4F820-CB07-4A8B-B411-6A280C11EBDA}"/>
+              </a:ext>
+            </a:extLst>
+          </p:cNvPr>
+          <p:cNvCxnSpPr>
+            <a:cxnSpLocks/>
+            <a:stCxn id="33" idx="6"/>
+            <a:endCxn id="35" idx="1"/>
+          </p:cNvCxnSpPr>
+          <p:nvPr/>
+        </p:nvCxnSpPr>
+        <p:spPr>
+          <a:xfrm>
+            <a:off x="6881690" y="2979774"/>
+            <a:ext cx="1030589" cy="0"/>
+          </a:xfrm>
+          <a:prstGeom prst="straightConnector1">
+            <a:avLst/>
+          </a:prstGeom>
+          <a:ln w="19050">
+            <a:tailEnd type="triangle"/>
+          </a:ln>
+        </p:spPr>
+        <p:style>
+          <a:lnRef idx="1">
+            <a:schemeClr val="accent1"/>
+          </a:lnRef>
+          <a:fillRef idx="0">
+            <a:schemeClr val="accent1"/>
+          </a:fillRef>
+          <a:effectRef idx="0">
+            <a:schemeClr val="accent1"/>
+          </a:effectRef>
+          <a:fontRef idx="minor">
+            <a:schemeClr val="tx1"/>
+          </a:fontRef>
+        </p:style>
+      </p:cxnSp>
+      <p:graphicFrame>
+        <p:nvGraphicFramePr>
+          <p:cNvPr id="38" name="对象 37">
+            <a:extLst>
+              <a:ext uri="{FF2B5EF4-FFF2-40B4-BE49-F238E27FC236}">
+                <a16:creationId xmlns:a16="http://schemas.microsoft.com/office/drawing/2014/main" id="{09DEFEC0-452E-4E73-B35E-282A6AAC4DC6}"/>
+              </a:ext>
+            </a:extLst>
+          </p:cNvPr>
+          <p:cNvGraphicFramePr>
+            <a:graphicFrameLocks noChangeAspect="1"/>
+          </p:cNvGraphicFramePr>
+          <p:nvPr>
+            <p:extLst>
+              <p:ext uri="{D42A27DB-BD31-4B8C-83A1-F6EECF244321}">
+                <p14:modId xmlns:p14="http://schemas.microsoft.com/office/powerpoint/2010/main" val="958358106"/>
+              </p:ext>
+            </p:extLst>
+          </p:nvPr>
+        </p:nvGraphicFramePr>
+        <p:xfrm>
+          <a:off x="7211638" y="2403926"/>
+          <a:ext cx="381000" cy="457200"/>
+        </p:xfrm>
+        <a:graphic>
+          <a:graphicData uri="http://schemas.openxmlformats.org/presentationml/2006/ole">
+            <mc:AlternateContent xmlns:mc="http://schemas.openxmlformats.org/markup-compatibility/2006">
+              <mc:Choice xmlns:v="urn:schemas-microsoft-com:vml" Requires="v">
+                <p:oleObj spid="_x0000_s4172" name="Equation" r:id="rId7" imgW="190440" imgH="228600" progId="Equation.DSMT4">
+                  <p:embed/>
+                </p:oleObj>
+              </mc:Choice>
+              <mc:Fallback>
+                <p:oleObj name="Equation" r:id="rId7" imgW="190440" imgH="228600" progId="Equation.DSMT4">
+                  <p:embed/>
+                  <p:pic>
+                    <p:nvPicPr>
+                      <p:cNvPr id="10" name="对象 9">
+                        <a:extLst>
+                          <a:ext uri="{FF2B5EF4-FFF2-40B4-BE49-F238E27FC236}">
+                            <a16:creationId xmlns:a16="http://schemas.microsoft.com/office/drawing/2014/main" id="{1049812E-3029-4459-847F-322EC71C904B}"/>
+                          </a:ext>
+                        </a:extLst>
+                      </p:cNvPr>
+                      <p:cNvPicPr/>
+                      <p:nvPr/>
+                    </p:nvPicPr>
+                    <p:blipFill>
+                      <a:blip r:embed="rId8"/>
+                      <a:stretch>
+                        <a:fillRect/>
+                      </a:stretch>
+                    </p:blipFill>
+                    <p:spPr>
+                      <a:xfrm>
+                        <a:off x="7211638" y="2403926"/>
+                        <a:ext cx="381000" cy="457200"/>
+                      </a:xfrm>
+                      <a:prstGeom prst="rect">
+                        <a:avLst/>
+                      </a:prstGeom>
+                    </p:spPr>
+                  </p:pic>
+                </p:oleObj>
+              </mc:Fallback>
+            </mc:AlternateContent>
+          </a:graphicData>
+        </a:graphic>
+      </p:graphicFrame>
+      <p:sp>
+        <p:nvSpPr>
+          <p:cNvPr id="39" name="矩形 38">
+            <a:extLst>
+              <a:ext uri="{FF2B5EF4-FFF2-40B4-BE49-F238E27FC236}">
+                <a16:creationId xmlns:a16="http://schemas.microsoft.com/office/drawing/2014/main" id="{52626AD1-3D96-4207-A73D-844C233A0161}"/>
+              </a:ext>
+            </a:extLst>
+          </p:cNvPr>
+          <p:cNvSpPr/>
+          <p:nvPr/>
+        </p:nvSpPr>
+        <p:spPr>
+          <a:xfrm>
+            <a:off x="9841320" y="2530548"/>
+            <a:ext cx="898452" cy="898452"/>
+          </a:xfrm>
+          <a:prstGeom prst="rect">
+            <a:avLst/>
+          </a:prstGeom>
+          <a:solidFill>
+            <a:schemeClr val="bg1"/>
+          </a:solidFill>
+          <a:ln w="19050">
+            <a:solidFill>
+              <a:schemeClr val="tx1"/>
+            </a:solidFill>
+          </a:ln>
+        </p:spPr>
+        <p:style>
+          <a:lnRef idx="2">
+            <a:schemeClr val="accent1">
+              <a:shade val="50000"/>
+            </a:schemeClr>
+          </a:lnRef>
+          <a:fillRef idx="1">
+            <a:schemeClr val="accent1"/>
+          </a:fillRef>
+          <a:effectRef idx="0">
+            <a:schemeClr val="accent1"/>
+          </a:effectRef>
+          <a:fontRef idx="minor">
+            <a:schemeClr val="lt1"/>
+          </a:fontRef>
+        </p:style>
+        <p:txBody>
+          <a:bodyPr rtlCol="0" anchor="ctr"/>
+          <a:lstStyle/>
+          <a:p>
+            <a:pPr algn="ctr"/>
+            <a:endParaRPr lang="en-US"/>
+          </a:p>
+        </p:txBody>
+      </p:sp>
+      <p:graphicFrame>
+        <p:nvGraphicFramePr>
+          <p:cNvPr id="40" name="对象 39">
+            <a:extLst>
+              <a:ext uri="{FF2B5EF4-FFF2-40B4-BE49-F238E27FC236}">
+                <a16:creationId xmlns:a16="http://schemas.microsoft.com/office/drawing/2014/main" id="{6EEDE249-02FF-4165-BA98-928C96FDCCCC}"/>
+              </a:ext>
+            </a:extLst>
+          </p:cNvPr>
+          <p:cNvGraphicFramePr>
+            <a:graphicFrameLocks noChangeAspect="1"/>
+          </p:cNvGraphicFramePr>
+          <p:nvPr>
+            <p:extLst>
+              <p:ext uri="{D42A27DB-BD31-4B8C-83A1-F6EECF244321}">
+                <p14:modId xmlns:p14="http://schemas.microsoft.com/office/powerpoint/2010/main" val="1509837588"/>
+              </p:ext>
+            </p:extLst>
+          </p:nvPr>
+        </p:nvGraphicFramePr>
+        <p:xfrm>
+          <a:off x="10099602" y="2750679"/>
+          <a:ext cx="381000" cy="457200"/>
+        </p:xfrm>
+        <a:graphic>
+          <a:graphicData uri="http://schemas.openxmlformats.org/presentationml/2006/ole">
+            <mc:AlternateContent xmlns:mc="http://schemas.openxmlformats.org/markup-compatibility/2006">
+              <mc:Choice xmlns:v="urn:schemas-microsoft-com:vml" Requires="v">
+                <p:oleObj spid="_x0000_s4173" name="Equation" r:id="rId19" imgW="190440" imgH="228600" progId="Equation.DSMT4">
+                  <p:embed/>
+                </p:oleObj>
+              </mc:Choice>
+              <mc:Fallback>
+                <p:oleObj name="Equation" r:id="rId19" imgW="190440" imgH="228600" progId="Equation.DSMT4">
+                  <p:embed/>
+                  <p:pic>
+                    <p:nvPicPr>
+                      <p:cNvPr id="13" name="对象 12">
+                        <a:extLst>
+                          <a:ext uri="{FF2B5EF4-FFF2-40B4-BE49-F238E27FC236}">
+                            <a16:creationId xmlns:a16="http://schemas.microsoft.com/office/drawing/2014/main" id="{8506F8A8-47A7-4685-90B6-8C2A8DBEBC3A}"/>
+                          </a:ext>
+                        </a:extLst>
+                      </p:cNvPr>
+                      <p:cNvPicPr/>
+                      <p:nvPr/>
+                    </p:nvPicPr>
+                    <p:blipFill>
+                      <a:blip r:embed="rId20"/>
+                      <a:stretch>
+                        <a:fillRect/>
+                      </a:stretch>
+                    </p:blipFill>
+                    <p:spPr>
+                      <a:xfrm>
+                        <a:off x="10099602" y="2750679"/>
+                        <a:ext cx="381000" cy="457200"/>
+                      </a:xfrm>
+                      <a:prstGeom prst="rect">
+                        <a:avLst/>
+                      </a:prstGeom>
+                    </p:spPr>
+                  </p:pic>
+                </p:oleObj>
+              </mc:Fallback>
+            </mc:AlternateContent>
+          </a:graphicData>
+        </a:graphic>
+      </p:graphicFrame>
+      <p:cxnSp>
+        <p:nvCxnSpPr>
+          <p:cNvPr id="41" name="直接箭头连接符 40">
+            <a:extLst>
+              <a:ext uri="{FF2B5EF4-FFF2-40B4-BE49-F238E27FC236}">
+                <a16:creationId xmlns:a16="http://schemas.microsoft.com/office/drawing/2014/main" id="{71FDF807-7757-471F-91B1-7AFBC6479043}"/>
+              </a:ext>
+            </a:extLst>
+          </p:cNvPr>
+          <p:cNvCxnSpPr>
+            <a:cxnSpLocks/>
+          </p:cNvCxnSpPr>
+          <p:nvPr/>
+        </p:nvCxnSpPr>
+        <p:spPr>
+          <a:xfrm flipV="1">
+            <a:off x="8812425" y="2881101"/>
+            <a:ext cx="1030589" cy="494"/>
+          </a:xfrm>
+          <a:prstGeom prst="straightConnector1">
+            <a:avLst/>
+          </a:prstGeom>
+          <a:ln w="19050">
+            <a:tailEnd type="triangle"/>
+          </a:ln>
+        </p:spPr>
+        <p:style>
+          <a:lnRef idx="1">
+            <a:schemeClr val="accent1"/>
+          </a:lnRef>
+          <a:fillRef idx="0">
+            <a:schemeClr val="accent1"/>
+          </a:fillRef>
+          <a:effectRef idx="0">
+            <a:schemeClr val="accent1"/>
+          </a:effectRef>
+          <a:fontRef idx="minor">
+            <a:schemeClr val="tx1"/>
+          </a:fontRef>
+        </p:style>
+      </p:cxnSp>
+      <p:cxnSp>
+        <p:nvCxnSpPr>
+          <p:cNvPr id="42" name="直接箭头连接符 41">
+            <a:extLst>
+              <a:ext uri="{FF2B5EF4-FFF2-40B4-BE49-F238E27FC236}">
+                <a16:creationId xmlns:a16="http://schemas.microsoft.com/office/drawing/2014/main" id="{1073FEC7-60B3-4066-BDC1-C3E818E540F6}"/>
+              </a:ext>
+            </a:extLst>
+          </p:cNvPr>
+          <p:cNvCxnSpPr>
+            <a:cxnSpLocks/>
+          </p:cNvCxnSpPr>
+          <p:nvPr/>
+        </p:nvCxnSpPr>
+        <p:spPr>
+          <a:xfrm flipV="1">
+            <a:off x="8812162" y="3084211"/>
+            <a:ext cx="1030589" cy="494"/>
+          </a:xfrm>
+          <a:prstGeom prst="straightConnector1">
+            <a:avLst/>
+          </a:prstGeom>
+          <a:ln w="19050">
+            <a:headEnd type="triangle" w="med" len="med"/>
+            <a:tailEnd type="none" w="med" len="med"/>
+          </a:ln>
+        </p:spPr>
+        <p:style>
+          <a:lnRef idx="1">
+            <a:schemeClr val="accent1"/>
+          </a:lnRef>
+          <a:fillRef idx="0">
+            <a:schemeClr val="accent1"/>
+          </a:fillRef>
+          <a:effectRef idx="0">
+            <a:schemeClr val="accent1"/>
+          </a:effectRef>
+          <a:fontRef idx="minor">
+            <a:schemeClr val="tx1"/>
+          </a:fontRef>
+        </p:style>
+      </p:cxnSp>
+      <p:graphicFrame>
+        <p:nvGraphicFramePr>
+          <p:cNvPr id="43" name="对象 42">
+            <a:extLst>
+              <a:ext uri="{FF2B5EF4-FFF2-40B4-BE49-F238E27FC236}">
+                <a16:creationId xmlns:a16="http://schemas.microsoft.com/office/drawing/2014/main" id="{F5F71D71-F0F9-4EFA-B1EF-D26CD558494B}"/>
+              </a:ext>
+            </a:extLst>
+          </p:cNvPr>
+          <p:cNvGraphicFramePr>
+            <a:graphicFrameLocks noChangeAspect="1"/>
+          </p:cNvGraphicFramePr>
+          <p:nvPr>
+            <p:extLst>
+              <p:ext uri="{D42A27DB-BD31-4B8C-83A1-F6EECF244321}">
+                <p14:modId xmlns:p14="http://schemas.microsoft.com/office/powerpoint/2010/main" val="2250612780"/>
+              </p:ext>
+            </p:extLst>
+          </p:nvPr>
+        </p:nvGraphicFramePr>
+        <p:xfrm>
+          <a:off x="9162356" y="3189444"/>
+          <a:ext cx="330200" cy="457200"/>
+        </p:xfrm>
+        <a:graphic>
+          <a:graphicData uri="http://schemas.openxmlformats.org/presentationml/2006/ole">
+            <mc:AlternateContent xmlns:mc="http://schemas.openxmlformats.org/markup-compatibility/2006">
+              <mc:Choice xmlns:v="urn:schemas-microsoft-com:vml" Requires="v">
+                <p:oleObj spid="_x0000_s4174" name="Equation" r:id="rId21" imgW="164880" imgH="228600" progId="Equation.DSMT4">
+                  <p:embed/>
+                </p:oleObj>
+              </mc:Choice>
+              <mc:Fallback>
+                <p:oleObj name="Equation" r:id="rId21" imgW="164880" imgH="228600" progId="Equation.DSMT4">
+                  <p:embed/>
+                  <p:pic>
+                    <p:nvPicPr>
+                      <p:cNvPr id="16" name="对象 15">
+                        <a:extLst>
+                          <a:ext uri="{FF2B5EF4-FFF2-40B4-BE49-F238E27FC236}">
+                            <a16:creationId xmlns:a16="http://schemas.microsoft.com/office/drawing/2014/main" id="{8A72B8DD-E3FE-4F2F-81F3-F706E7E25F2C}"/>
+                          </a:ext>
+                        </a:extLst>
+                      </p:cNvPr>
+                      <p:cNvPicPr/>
+                      <p:nvPr/>
+                    </p:nvPicPr>
+                    <p:blipFill>
+                      <a:blip r:embed="rId22"/>
+                      <a:stretch>
+                        <a:fillRect/>
+                      </a:stretch>
+                    </p:blipFill>
+                    <p:spPr>
+                      <a:xfrm>
+                        <a:off x="9162356" y="3189444"/>
+                        <a:ext cx="330200" cy="457200"/>
+                      </a:xfrm>
+                      <a:prstGeom prst="rect">
+                        <a:avLst/>
+                      </a:prstGeom>
+                    </p:spPr>
+                  </p:pic>
+                </p:oleObj>
+              </mc:Fallback>
+            </mc:AlternateContent>
+          </a:graphicData>
+        </a:graphic>
+      </p:graphicFrame>
+      <p:graphicFrame>
+        <p:nvGraphicFramePr>
+          <p:cNvPr id="44" name="对象 43">
+            <a:extLst>
+              <a:ext uri="{FF2B5EF4-FFF2-40B4-BE49-F238E27FC236}">
+                <a16:creationId xmlns:a16="http://schemas.microsoft.com/office/drawing/2014/main" id="{BA9F28D7-C078-47CF-A63C-E4946D541710}"/>
+              </a:ext>
+            </a:extLst>
+          </p:cNvPr>
+          <p:cNvGraphicFramePr>
+            <a:graphicFrameLocks noChangeAspect="1"/>
+          </p:cNvGraphicFramePr>
+          <p:nvPr>
+            <p:extLst>
+              <p:ext uri="{D42A27DB-BD31-4B8C-83A1-F6EECF244321}">
+                <p14:modId xmlns:p14="http://schemas.microsoft.com/office/powerpoint/2010/main" val="3466840146"/>
+              </p:ext>
+            </p:extLst>
+          </p:nvPr>
+        </p:nvGraphicFramePr>
+        <p:xfrm>
+          <a:off x="9159495" y="2403926"/>
+          <a:ext cx="335922" cy="457200"/>
+        </p:xfrm>
+        <a:graphic>
+          <a:graphicData uri="http://schemas.openxmlformats.org/presentationml/2006/ole">
+            <mc:AlternateContent xmlns:mc="http://schemas.openxmlformats.org/markup-compatibility/2006">
+              <mc:Choice xmlns:v="urn:schemas-microsoft-com:vml" Requires="v">
+                <p:oleObj spid="_x0000_s4175" name="Equation" r:id="rId23" imgW="164880" imgH="228600" progId="Equation.DSMT4">
+                  <p:embed/>
+                </p:oleObj>
+              </mc:Choice>
+              <mc:Fallback>
+                <p:oleObj name="Equation" r:id="rId23" imgW="164880" imgH="228600" progId="Equation.DSMT4">
+                  <p:embed/>
+                  <p:pic>
+                    <p:nvPicPr>
+                      <p:cNvPr id="17" name="对象 16">
+                        <a:extLst>
+                          <a:ext uri="{FF2B5EF4-FFF2-40B4-BE49-F238E27FC236}">
+                            <a16:creationId xmlns:a16="http://schemas.microsoft.com/office/drawing/2014/main" id="{0D22F3AB-DBA1-4AB4-9870-DBA68A99B138}"/>
+                          </a:ext>
+                        </a:extLst>
+                      </p:cNvPr>
+                      <p:cNvPicPr/>
+                      <p:nvPr/>
+                    </p:nvPicPr>
+                    <p:blipFill>
+                      <a:blip r:embed="rId24"/>
+                      <a:stretch>
+                        <a:fillRect/>
+                      </a:stretch>
+                    </p:blipFill>
+                    <p:spPr>
+                      <a:xfrm>
+                        <a:off x="9159495" y="2403926"/>
+                        <a:ext cx="335922" cy="457200"/>
+                      </a:xfrm>
+                      <a:prstGeom prst="rect">
+                        <a:avLst/>
+                      </a:prstGeom>
+                    </p:spPr>
+                  </p:pic>
+                </p:oleObj>
+              </mc:Fallback>
+            </mc:AlternateContent>
+          </a:graphicData>
+        </a:graphic>
+      </p:graphicFrame>
+      <p:sp>
+        <p:nvSpPr>
+          <p:cNvPr id="45" name="矩形 44">
+            <a:extLst>
+              <a:ext uri="{FF2B5EF4-FFF2-40B4-BE49-F238E27FC236}">
+                <a16:creationId xmlns:a16="http://schemas.microsoft.com/office/drawing/2014/main" id="{FBA73CBB-BD3C-4763-8E06-FED6A62A6178}"/>
+              </a:ext>
+            </a:extLst>
+          </p:cNvPr>
+          <p:cNvSpPr/>
+          <p:nvPr/>
+        </p:nvSpPr>
+        <p:spPr>
+          <a:xfrm>
+            <a:off x="7911128" y="4458180"/>
+            <a:ext cx="898452" cy="898452"/>
+          </a:xfrm>
+          <a:prstGeom prst="rect">
+            <a:avLst/>
+          </a:prstGeom>
+          <a:solidFill>
+            <a:schemeClr val="bg1"/>
+          </a:solidFill>
+          <a:ln w="19050">
+            <a:solidFill>
+              <a:schemeClr val="tx1"/>
+            </a:solidFill>
+          </a:ln>
+        </p:spPr>
+        <p:style>
+          <a:lnRef idx="2">
+            <a:schemeClr val="accent1">
+              <a:shade val="50000"/>
+            </a:schemeClr>
+          </a:lnRef>
+          <a:fillRef idx="1">
+            <a:schemeClr val="accent1"/>
+          </a:fillRef>
+          <a:effectRef idx="0">
+            <a:schemeClr val="accent1"/>
+          </a:effectRef>
+          <a:fontRef idx="minor">
+            <a:schemeClr val="lt1"/>
+          </a:fontRef>
+        </p:style>
+        <p:txBody>
+          <a:bodyPr rtlCol="0" anchor="ctr"/>
+          <a:lstStyle/>
+          <a:p>
+            <a:pPr algn="ctr"/>
+            <a:endParaRPr lang="en-US"/>
+          </a:p>
+        </p:txBody>
+      </p:sp>
+      <p:graphicFrame>
+        <p:nvGraphicFramePr>
+          <p:cNvPr id="46" name="对象 45">
+            <a:extLst>
+              <a:ext uri="{FF2B5EF4-FFF2-40B4-BE49-F238E27FC236}">
+                <a16:creationId xmlns:a16="http://schemas.microsoft.com/office/drawing/2014/main" id="{76F7E3D4-B281-4C78-8328-8DC0CD996982}"/>
+              </a:ext>
+            </a:extLst>
+          </p:cNvPr>
+          <p:cNvGraphicFramePr>
+            <a:graphicFrameLocks noChangeAspect="1"/>
+          </p:cNvGraphicFramePr>
+          <p:nvPr>
+            <p:extLst>
+              <p:ext uri="{D42A27DB-BD31-4B8C-83A1-F6EECF244321}">
+                <p14:modId xmlns:p14="http://schemas.microsoft.com/office/powerpoint/2010/main" val="3224989422"/>
+              </p:ext>
+            </p:extLst>
+          </p:nvPr>
+        </p:nvGraphicFramePr>
+        <p:xfrm>
+          <a:off x="8144377" y="4678363"/>
+          <a:ext cx="431800" cy="457200"/>
+        </p:xfrm>
+        <a:graphic>
+          <a:graphicData uri="http://schemas.openxmlformats.org/presentationml/2006/ole">
+            <mc:AlternateContent xmlns:mc="http://schemas.openxmlformats.org/markup-compatibility/2006">
+              <mc:Choice xmlns:v="urn:schemas-microsoft-com:vml" Requires="v">
+                <p:oleObj spid="_x0000_s4176" name="Equation" r:id="rId25" imgW="215640" imgH="228600" progId="Equation.DSMT4">
+                  <p:embed/>
+                </p:oleObj>
+              </mc:Choice>
+              <mc:Fallback>
+                <p:oleObj name="Equation" r:id="rId25" imgW="215640" imgH="228600" progId="Equation.DSMT4">
+                  <p:embed/>
+                  <p:pic>
+                    <p:nvPicPr>
+                      <p:cNvPr id="19" name="对象 18">
+                        <a:extLst>
+                          <a:ext uri="{FF2B5EF4-FFF2-40B4-BE49-F238E27FC236}">
+                            <a16:creationId xmlns:a16="http://schemas.microsoft.com/office/drawing/2014/main" id="{CC8B4BDD-3CCE-4EC6-96F9-B72204E0B420}"/>
+                          </a:ext>
+                        </a:extLst>
+                      </p:cNvPr>
+                      <p:cNvPicPr/>
+                      <p:nvPr/>
+                    </p:nvPicPr>
+                    <p:blipFill>
+                      <a:blip r:embed="rId12"/>
+                      <a:stretch>
+                        <a:fillRect/>
+                      </a:stretch>
+                    </p:blipFill>
+                    <p:spPr>
+                      <a:xfrm>
+                        <a:off x="8144377" y="4678363"/>
+                        <a:ext cx="431800" cy="457200"/>
+                      </a:xfrm>
+                      <a:prstGeom prst="rect">
+                        <a:avLst/>
+                      </a:prstGeom>
+                    </p:spPr>
+                  </p:pic>
+                </p:oleObj>
+              </mc:Fallback>
+            </mc:AlternateContent>
+          </a:graphicData>
+        </a:graphic>
+      </p:graphicFrame>
+      <p:cxnSp>
+        <p:nvCxnSpPr>
+          <p:cNvPr id="47" name="连接符: 肘形 46">
+            <a:extLst>
+              <a:ext uri="{FF2B5EF4-FFF2-40B4-BE49-F238E27FC236}">
+                <a16:creationId xmlns:a16="http://schemas.microsoft.com/office/drawing/2014/main" id="{5F552690-DC45-445E-8635-7E0502277ADB}"/>
+              </a:ext>
+            </a:extLst>
+          </p:cNvPr>
+          <p:cNvCxnSpPr>
+            <a:stCxn id="33" idx="4"/>
+            <a:endCxn id="45" idx="1"/>
+          </p:cNvCxnSpPr>
+          <p:nvPr/>
+        </p:nvCxnSpPr>
+        <p:spPr>
+          <a:xfrm rot="16200000" flipH="1">
+            <a:off x="6432593" y="3428870"/>
+            <a:ext cx="1620085" cy="1336985"/>
+          </a:xfrm>
+          <a:prstGeom prst="bentConnector2">
+            <a:avLst/>
+          </a:prstGeom>
+          <a:ln w="19050">
+            <a:tailEnd type="triangle"/>
+          </a:ln>
+        </p:spPr>
+        <p:style>
+          <a:lnRef idx="1">
+            <a:schemeClr val="accent1"/>
+          </a:lnRef>
+          <a:fillRef idx="0">
+            <a:schemeClr val="accent1"/>
+          </a:fillRef>
+          <a:effectRef idx="0">
+            <a:schemeClr val="accent1"/>
+          </a:effectRef>
+          <a:fontRef idx="minor">
+            <a:schemeClr val="tx1"/>
+          </a:fontRef>
+        </p:style>
+      </p:cxnSp>
+      <p:graphicFrame>
+        <p:nvGraphicFramePr>
+          <p:cNvPr id="48" name="对象 47">
+            <a:extLst>
+              <a:ext uri="{FF2B5EF4-FFF2-40B4-BE49-F238E27FC236}">
+                <a16:creationId xmlns:a16="http://schemas.microsoft.com/office/drawing/2014/main" id="{5D37C45D-3A4D-4D52-86B5-AFFE11423196}"/>
+              </a:ext>
+            </a:extLst>
+          </p:cNvPr>
+          <p:cNvGraphicFramePr>
+            <a:graphicFrameLocks noChangeAspect="1"/>
+          </p:cNvGraphicFramePr>
+          <p:nvPr>
+            <p:extLst>
+              <p:ext uri="{D42A27DB-BD31-4B8C-83A1-F6EECF244321}">
+                <p14:modId xmlns:p14="http://schemas.microsoft.com/office/powerpoint/2010/main" val="571032613"/>
+              </p:ext>
+            </p:extLst>
+          </p:nvPr>
+        </p:nvGraphicFramePr>
+        <p:xfrm>
+          <a:off x="7134727" y="4329113"/>
+          <a:ext cx="533400" cy="482600"/>
+        </p:xfrm>
+        <a:graphic>
+          <a:graphicData uri="http://schemas.openxmlformats.org/presentationml/2006/ole">
+            <mc:AlternateContent xmlns:mc="http://schemas.openxmlformats.org/markup-compatibility/2006">
+              <mc:Choice xmlns:v="urn:schemas-microsoft-com:vml" Requires="v">
+                <p:oleObj spid="_x0000_s4177" name="Equation" r:id="rId26" imgW="266400" imgH="241200" progId="Equation.DSMT4">
+                  <p:embed/>
+                </p:oleObj>
+              </mc:Choice>
+              <mc:Fallback>
+                <p:oleObj name="Equation" r:id="rId26" imgW="266400" imgH="241200" progId="Equation.DSMT4">
+                  <p:embed/>
+                  <p:pic>
+                    <p:nvPicPr>
+                      <p:cNvPr id="27" name="对象 26">
+                        <a:extLst>
+                          <a:ext uri="{FF2B5EF4-FFF2-40B4-BE49-F238E27FC236}">
+                            <a16:creationId xmlns:a16="http://schemas.microsoft.com/office/drawing/2014/main" id="{36E9B478-1A9B-4E0E-B62F-244F6767242B}"/>
+                          </a:ext>
+                        </a:extLst>
+                      </p:cNvPr>
+                      <p:cNvPicPr/>
+                      <p:nvPr/>
+                    </p:nvPicPr>
+                    <p:blipFill>
+                      <a:blip r:embed="rId27"/>
+                      <a:stretch>
+                        <a:fillRect/>
+                      </a:stretch>
+                    </p:blipFill>
+                    <p:spPr>
+                      <a:xfrm>
+                        <a:off x="7134727" y="4329113"/>
+                        <a:ext cx="533400" cy="482600"/>
+                      </a:xfrm>
+                      <a:prstGeom prst="rect">
+                        <a:avLst/>
+                      </a:prstGeom>
+                    </p:spPr>
+                  </p:pic>
+                </p:oleObj>
+              </mc:Fallback>
+            </mc:AlternateContent>
+          </a:graphicData>
+        </a:graphic>
+      </p:graphicFrame>
+      <p:cxnSp>
+        <p:nvCxnSpPr>
+          <p:cNvPr id="49" name="直接箭头连接符 48">
+            <a:extLst>
+              <a:ext uri="{FF2B5EF4-FFF2-40B4-BE49-F238E27FC236}">
+                <a16:creationId xmlns:a16="http://schemas.microsoft.com/office/drawing/2014/main" id="{F8D3B1AB-36DB-4A4B-9BDD-1586EC191808}"/>
+              </a:ext>
+            </a:extLst>
+          </p:cNvPr>
+          <p:cNvCxnSpPr>
+            <a:cxnSpLocks/>
+            <a:stCxn id="45" idx="3"/>
+          </p:cNvCxnSpPr>
+          <p:nvPr/>
+        </p:nvCxnSpPr>
+        <p:spPr>
+          <a:xfrm>
+            <a:off x="8809580" y="4907406"/>
+            <a:ext cx="1031740" cy="0"/>
+          </a:xfrm>
+          <a:prstGeom prst="straightConnector1">
+            <a:avLst/>
+          </a:prstGeom>
+          <a:ln w="19050">
+            <a:tailEnd type="triangle"/>
+          </a:ln>
+        </p:spPr>
+        <p:style>
+          <a:lnRef idx="1">
+            <a:schemeClr val="accent1"/>
+          </a:lnRef>
+          <a:fillRef idx="0">
+            <a:schemeClr val="accent1"/>
+          </a:fillRef>
+          <a:effectRef idx="0">
+            <a:schemeClr val="accent1"/>
+          </a:effectRef>
+          <a:fontRef idx="minor">
+            <a:schemeClr val="tx1"/>
+          </a:fontRef>
+        </p:style>
+      </p:cxnSp>
+      <p:graphicFrame>
+        <p:nvGraphicFramePr>
+          <p:cNvPr id="50" name="对象 49">
+            <a:extLst>
+              <a:ext uri="{FF2B5EF4-FFF2-40B4-BE49-F238E27FC236}">
+                <a16:creationId xmlns:a16="http://schemas.microsoft.com/office/drawing/2014/main" id="{565B01AE-9B43-4A70-A96B-D0DDD84536ED}"/>
+              </a:ext>
+            </a:extLst>
+          </p:cNvPr>
+          <p:cNvGraphicFramePr>
+            <a:graphicFrameLocks noChangeAspect="1"/>
+          </p:cNvGraphicFramePr>
+          <p:nvPr>
+            <p:extLst>
+              <p:ext uri="{D42A27DB-BD31-4B8C-83A1-F6EECF244321}">
+                <p14:modId xmlns:p14="http://schemas.microsoft.com/office/powerpoint/2010/main" val="2017217859"/>
+              </p:ext>
+            </p:extLst>
+          </p:nvPr>
+        </p:nvGraphicFramePr>
+        <p:xfrm>
+          <a:off x="9263565" y="4329113"/>
+          <a:ext cx="457200" cy="482600"/>
+        </p:xfrm>
+        <a:graphic>
+          <a:graphicData uri="http://schemas.openxmlformats.org/presentationml/2006/ole">
+            <mc:AlternateContent xmlns:mc="http://schemas.openxmlformats.org/markup-compatibility/2006">
+              <mc:Choice xmlns:v="urn:schemas-microsoft-com:vml" Requires="v">
+                <p:oleObj spid="_x0000_s4178" name="Equation" r:id="rId28" imgW="228600" imgH="241200" progId="Equation.DSMT4">
+                  <p:embed/>
+                </p:oleObj>
+              </mc:Choice>
+              <mc:Fallback>
+                <p:oleObj name="Equation" r:id="rId28" imgW="228600" imgH="241200" progId="Equation.DSMT4">
+                  <p:embed/>
+                  <p:pic>
+                    <p:nvPicPr>
+                      <p:cNvPr id="32" name="对象 31">
+                        <a:extLst>
+                          <a:ext uri="{FF2B5EF4-FFF2-40B4-BE49-F238E27FC236}">
+                            <a16:creationId xmlns:a16="http://schemas.microsoft.com/office/drawing/2014/main" id="{6222AF2F-7984-4760-A1CA-800085AB3B93}"/>
+                          </a:ext>
+                        </a:extLst>
+                      </p:cNvPr>
+                      <p:cNvPicPr/>
+                      <p:nvPr/>
+                    </p:nvPicPr>
+                    <p:blipFill>
+                      <a:blip r:embed="rId29"/>
+                      <a:stretch>
+                        <a:fillRect/>
+                      </a:stretch>
+                    </p:blipFill>
+                    <p:spPr>
+                      <a:xfrm>
+                        <a:off x="9263565" y="4329113"/>
+                        <a:ext cx="457200" cy="482600"/>
+                      </a:xfrm>
+                      <a:prstGeom prst="rect">
+                        <a:avLst/>
+                      </a:prstGeom>
+                    </p:spPr>
+                  </p:pic>
+                </p:oleObj>
+              </mc:Fallback>
+            </mc:AlternateContent>
+          </a:graphicData>
+        </a:graphic>
+      </p:graphicFrame>
+    </p:spTree>
+    <p:extLst>
+      <p:ext uri="{BB962C8B-B14F-4D97-AF65-F5344CB8AC3E}">
+        <p14:creationId xmlns:p14="http://schemas.microsoft.com/office/powerpoint/2010/main" val="2298159606"/>
       </p:ext>
     </p:extLst>
   </p:cSld>
